--- a/docs/房产中介小程序方案设计.pptx
+++ b/docs/房产中介小程序方案设计.pptx
@@ -1,23 +1,23 @@
 
 <file path=ppt/presentation.xml><?xml version="1.0" encoding="utf-8"?>
-<p:presentation xmlns:a="http://schemas.openxmlformats.org/drawingml/2006/main" xmlns:r="http://schemas.openxmlformats.org/officeDocument/2006/relationships" xmlns:p="http://schemas.openxmlformats.org/presentationml/2006/main" saveSubsetFonts="1">
+<p:presentation xmlns:a="http://schemas.openxmlformats.org/drawingml/2006/main" xmlns:r="http://schemas.openxmlformats.org/officeDocument/2006/relationships" xmlns:p="http://schemas.openxmlformats.org/presentationml/2006/main">
   <p:sldMasterIdLst>
     <p:sldMasterId id="2147483648" r:id="rId1"/>
   </p:sldMasterIdLst>
   <p:notesMasterIdLst>
-    <p:notesMasterId r:id="rId12"/>
+    <p:notesMasterId r:id="rId4"/>
   </p:notesMasterIdLst>
   <p:sldIdLst>
-    <p:sldId id="256" r:id="rId2"/>
-    <p:sldId id="273" r:id="rId3"/>
-    <p:sldId id="275" r:id="rId4"/>
-    <p:sldId id="276" r:id="rId5"/>
-    <p:sldId id="277" r:id="rId6"/>
-    <p:sldId id="278" r:id="rId7"/>
-    <p:sldId id="279" r:id="rId8"/>
-    <p:sldId id="282" r:id="rId9"/>
-    <p:sldId id="283" r:id="rId10"/>
-    <p:sldId id="280" r:id="rId11"/>
+    <p:sldId id="256" r:id="rId3"/>
+    <p:sldId id="273" r:id="rId5"/>
+    <p:sldId id="275" r:id="rId6"/>
+    <p:sldId id="276" r:id="rId7"/>
+    <p:sldId id="277" r:id="rId8"/>
+    <p:sldId id="278" r:id="rId9"/>
+    <p:sldId id="279" r:id="rId10"/>
+    <p:sldId id="282" r:id="rId11"/>
+    <p:sldId id="283" r:id="rId12"/>
+    <p:sldId id="280" r:id="rId13"/>
   </p:sldIdLst>
   <p:sldSz cx="12192000" cy="6858000"/>
   <p:notesSz cx="6858000" cy="9144000"/>
@@ -116,11 +116,6 @@
       </a:defRPr>
     </a:lvl9pPr>
   </p:defaultTextStyle>
-  <p:extLst>
-    <p:ext uri="{EFAFB233-063F-42B5-8137-9DF3F51BA10A}">
-      <p15:sldGuideLst xmlns:p15="http://schemas.microsoft.com/office/powerpoint/2012/main"/>
-    </p:ext>
-  </p:extLst>
 </p:presentation>
 </file>
 
@@ -206,7 +201,6 @@
           <a:p>
             <a:fld id="{53E80DE7-AD86-42FC-B9C4-C4B16408F743}" type="datetimeFigureOut">
               <a:rPr lang="en-US" smtClean="0"/>
-              <a:t>3/23/2018</a:t>
             </a:fld>
             <a:endParaRPr lang="en-US"/>
           </a:p>
@@ -273,6 +267,7 @@
               <a:rPr lang="en-US"/>
               <a:t>Click to edit Master text styles</a:t>
             </a:r>
+            <a:endParaRPr lang="en-US"/>
           </a:p>
           <a:p>
             <a:pPr lvl="1"/>
@@ -280,6 +275,7 @@
               <a:rPr lang="en-US"/>
               <a:t>Second level</a:t>
             </a:r>
+            <a:endParaRPr lang="en-US"/>
           </a:p>
           <a:p>
             <a:pPr lvl="2"/>
@@ -287,6 +283,7 @@
               <a:rPr lang="en-US"/>
               <a:t>Third level</a:t>
             </a:r>
+            <a:endParaRPr lang="en-US"/>
           </a:p>
           <a:p>
             <a:pPr lvl="3"/>
@@ -294,6 +291,7 @@
               <a:rPr lang="en-US"/>
               <a:t>Fourth level</a:t>
             </a:r>
+            <a:endParaRPr lang="en-US"/>
           </a:p>
           <a:p>
             <a:pPr lvl="4"/>
@@ -301,6 +299,7 @@
               <a:rPr lang="en-US"/>
               <a:t>Fifth level</a:t>
             </a:r>
+            <a:endParaRPr lang="en-US"/>
           </a:p>
         </p:txBody>
       </p:sp>
@@ -364,18 +363,12 @@
           <a:p>
             <a:fld id="{EB7FFCE1-52E3-42F3-88A5-0521A75561AA}" type="slidenum">
               <a:rPr lang="en-US" smtClean="0"/>
-              <a:t>‹#›</a:t>
             </a:fld>
             <a:endParaRPr lang="en-US"/>
           </a:p>
         </p:txBody>
       </p:sp>
     </p:spTree>
-    <p:extLst>
-      <p:ext uri="{BB962C8B-B14F-4D97-AF65-F5344CB8AC3E}">
-        <p14:creationId xmlns:p14="http://schemas.microsoft.com/office/powerpoint/2010/main" val="3309425426"/>
-      </p:ext>
-    </p:extLst>
   </p:cSld>
   <p:clrMap bg1="lt1" tx1="dk1" bg2="lt2" tx2="dk2" accent1="accent1" accent2="accent2" accent3="accent3" accent4="accent4" accent5="accent5" accent6="accent6" hlink="hlink" folHlink="folHlink"/>
   <p:notesStyle>
@@ -538,18 +531,12 @@
           <a:p>
             <a:fld id="{EB7FFCE1-52E3-42F3-88A5-0521A75561AA}" type="slidenum">
               <a:rPr lang="en-US" smtClean="0"/>
-              <a:t>1</a:t>
             </a:fld>
             <a:endParaRPr lang="en-US"/>
           </a:p>
         </p:txBody>
       </p:sp>
     </p:spTree>
-    <p:extLst>
-      <p:ext uri="{BB962C8B-B14F-4D97-AF65-F5344CB8AC3E}">
-        <p14:creationId xmlns:p14="http://schemas.microsoft.com/office/powerpoint/2010/main" val="3660229442"/>
-      </p:ext>
-    </p:extLst>
   </p:cSld>
   <p:clrMapOvr>
     <a:masterClrMapping/>
@@ -622,18 +609,12 @@
           <a:p>
             <a:fld id="{EB7FFCE1-52E3-42F3-88A5-0521A75561AA}" type="slidenum">
               <a:rPr lang="en-US" smtClean="0"/>
-              <a:t>10</a:t>
             </a:fld>
             <a:endParaRPr lang="en-US"/>
           </a:p>
         </p:txBody>
       </p:sp>
     </p:spTree>
-    <p:extLst>
-      <p:ext uri="{BB962C8B-B14F-4D97-AF65-F5344CB8AC3E}">
-        <p14:creationId xmlns:p14="http://schemas.microsoft.com/office/powerpoint/2010/main" val="1260189464"/>
-      </p:ext>
-    </p:extLst>
   </p:cSld>
   <p:clrMapOvr>
     <a:masterClrMapping/>
@@ -706,18 +687,12 @@
           <a:p>
             <a:fld id="{EB7FFCE1-52E3-42F3-88A5-0521A75561AA}" type="slidenum">
               <a:rPr lang="en-US" smtClean="0"/>
-              <a:t>2</a:t>
             </a:fld>
             <a:endParaRPr lang="en-US"/>
           </a:p>
         </p:txBody>
       </p:sp>
     </p:spTree>
-    <p:extLst>
-      <p:ext uri="{BB962C8B-B14F-4D97-AF65-F5344CB8AC3E}">
-        <p14:creationId xmlns:p14="http://schemas.microsoft.com/office/powerpoint/2010/main" val="977489414"/>
-      </p:ext>
-    </p:extLst>
   </p:cSld>
   <p:clrMapOvr>
     <a:masterClrMapping/>
@@ -790,18 +765,12 @@
           <a:p>
             <a:fld id="{EB7FFCE1-52E3-42F3-88A5-0521A75561AA}" type="slidenum">
               <a:rPr lang="en-US" smtClean="0"/>
-              <a:t>3</a:t>
             </a:fld>
             <a:endParaRPr lang="en-US"/>
           </a:p>
         </p:txBody>
       </p:sp>
     </p:spTree>
-    <p:extLst>
-      <p:ext uri="{BB962C8B-B14F-4D97-AF65-F5344CB8AC3E}">
-        <p14:creationId xmlns:p14="http://schemas.microsoft.com/office/powerpoint/2010/main" val="2675416770"/>
-      </p:ext>
-    </p:extLst>
   </p:cSld>
   <p:clrMapOvr>
     <a:masterClrMapping/>
@@ -874,18 +843,12 @@
           <a:p>
             <a:fld id="{EB7FFCE1-52E3-42F3-88A5-0521A75561AA}" type="slidenum">
               <a:rPr lang="en-US" smtClean="0"/>
-              <a:t>4</a:t>
             </a:fld>
             <a:endParaRPr lang="en-US"/>
           </a:p>
         </p:txBody>
       </p:sp>
     </p:spTree>
-    <p:extLst>
-      <p:ext uri="{BB962C8B-B14F-4D97-AF65-F5344CB8AC3E}">
-        <p14:creationId xmlns:p14="http://schemas.microsoft.com/office/powerpoint/2010/main" val="3351879812"/>
-      </p:ext>
-    </p:extLst>
   </p:cSld>
   <p:clrMapOvr>
     <a:masterClrMapping/>
@@ -958,18 +921,12 @@
           <a:p>
             <a:fld id="{EB7FFCE1-52E3-42F3-88A5-0521A75561AA}" type="slidenum">
               <a:rPr lang="en-US" smtClean="0"/>
-              <a:t>5</a:t>
             </a:fld>
             <a:endParaRPr lang="en-US"/>
           </a:p>
         </p:txBody>
       </p:sp>
     </p:spTree>
-    <p:extLst>
-      <p:ext uri="{BB962C8B-B14F-4D97-AF65-F5344CB8AC3E}">
-        <p14:creationId xmlns:p14="http://schemas.microsoft.com/office/powerpoint/2010/main" val="3421495387"/>
-      </p:ext>
-    </p:extLst>
   </p:cSld>
   <p:clrMapOvr>
     <a:masterClrMapping/>
@@ -1042,18 +999,12 @@
           <a:p>
             <a:fld id="{EB7FFCE1-52E3-42F3-88A5-0521A75561AA}" type="slidenum">
               <a:rPr lang="en-US" smtClean="0"/>
-              <a:t>6</a:t>
             </a:fld>
             <a:endParaRPr lang="en-US"/>
           </a:p>
         </p:txBody>
       </p:sp>
     </p:spTree>
-    <p:extLst>
-      <p:ext uri="{BB962C8B-B14F-4D97-AF65-F5344CB8AC3E}">
-        <p14:creationId xmlns:p14="http://schemas.microsoft.com/office/powerpoint/2010/main" val="3206966290"/>
-      </p:ext>
-    </p:extLst>
   </p:cSld>
   <p:clrMapOvr>
     <a:masterClrMapping/>
@@ -1126,18 +1077,12 @@
           <a:p>
             <a:fld id="{EB7FFCE1-52E3-42F3-88A5-0521A75561AA}" type="slidenum">
               <a:rPr lang="en-US" smtClean="0"/>
-              <a:t>7</a:t>
             </a:fld>
             <a:endParaRPr lang="en-US"/>
           </a:p>
         </p:txBody>
       </p:sp>
     </p:spTree>
-    <p:extLst>
-      <p:ext uri="{BB962C8B-B14F-4D97-AF65-F5344CB8AC3E}">
-        <p14:creationId xmlns:p14="http://schemas.microsoft.com/office/powerpoint/2010/main" val="2793955241"/>
-      </p:ext>
-    </p:extLst>
   </p:cSld>
   <p:clrMapOvr>
     <a:masterClrMapping/>
@@ -1210,18 +1155,12 @@
           <a:p>
             <a:fld id="{EB7FFCE1-52E3-42F3-88A5-0521A75561AA}" type="slidenum">
               <a:rPr lang="en-US" smtClean="0"/>
-              <a:t>8</a:t>
             </a:fld>
             <a:endParaRPr lang="en-US"/>
           </a:p>
         </p:txBody>
       </p:sp>
     </p:spTree>
-    <p:extLst>
-      <p:ext uri="{BB962C8B-B14F-4D97-AF65-F5344CB8AC3E}">
-        <p14:creationId xmlns:p14="http://schemas.microsoft.com/office/powerpoint/2010/main" val="251698680"/>
-      </p:ext>
-    </p:extLst>
   </p:cSld>
   <p:clrMapOvr>
     <a:masterClrMapping/>
@@ -1294,18 +1233,12 @@
           <a:p>
             <a:fld id="{EB7FFCE1-52E3-42F3-88A5-0521A75561AA}" type="slidenum">
               <a:rPr lang="en-US" smtClean="0"/>
-              <a:t>9</a:t>
             </a:fld>
             <a:endParaRPr lang="en-US"/>
           </a:p>
         </p:txBody>
       </p:sp>
     </p:spTree>
-    <p:extLst>
-      <p:ext uri="{BB962C8B-B14F-4D97-AF65-F5344CB8AC3E}">
-        <p14:creationId xmlns:p14="http://schemas.microsoft.com/office/powerpoint/2010/main" val="113946021"/>
-      </p:ext>
-    </p:extLst>
   </p:cSld>
   <p:clrMapOvr>
     <a:masterClrMapping/>
@@ -1358,6 +1291,7 @@
               <a:rPr lang="en-US"/>
               <a:t>Click to edit Master title style</a:t>
             </a:r>
+            <a:endParaRPr lang="en-US"/>
           </a:p>
         </p:txBody>
       </p:sp>
@@ -1422,6 +1356,7 @@
               <a:rPr lang="en-US"/>
               <a:t>Click to edit Master subtitle style</a:t>
             </a:r>
+            <a:endParaRPr lang="en-US"/>
           </a:p>
         </p:txBody>
       </p:sp>
@@ -1442,7 +1377,6 @@
           <a:p>
             <a:fld id="{1342D4F3-7900-47D4-A7E5-8AEF464ACB06}" type="datetimeFigureOut">
               <a:rPr lang="en-US" smtClean="0"/>
-              <a:t>3/23/2018</a:t>
             </a:fld>
             <a:endParaRPr lang="en-US"/>
           </a:p>
@@ -1484,18 +1418,12 @@
           <a:p>
             <a:fld id="{46B54676-752A-42A7-B71C-7A34214C6888}" type="slidenum">
               <a:rPr lang="en-US" smtClean="0"/>
-              <a:t>‹#›</a:t>
             </a:fld>
             <a:endParaRPr lang="en-US"/>
           </a:p>
         </p:txBody>
       </p:sp>
     </p:spTree>
-    <p:extLst>
-      <p:ext uri="{BB962C8B-B14F-4D97-AF65-F5344CB8AC3E}">
-        <p14:creationId xmlns:p14="http://schemas.microsoft.com/office/powerpoint/2010/main" val="3413557067"/>
-      </p:ext>
-    </p:extLst>
   </p:cSld>
   <p:clrMapOvr>
     <a:masterClrMapping/>
@@ -1539,6 +1467,7 @@
               <a:rPr lang="en-US"/>
               <a:t>Click to edit Master title style</a:t>
             </a:r>
+            <a:endParaRPr lang="en-US"/>
           </a:p>
         </p:txBody>
       </p:sp>
@@ -1562,6 +1491,7 @@
               <a:rPr lang="en-US"/>
               <a:t>Click to edit Master text styles</a:t>
             </a:r>
+            <a:endParaRPr lang="en-US"/>
           </a:p>
           <a:p>
             <a:pPr lvl="1"/>
@@ -1569,6 +1499,7 @@
               <a:rPr lang="en-US"/>
               <a:t>Second level</a:t>
             </a:r>
+            <a:endParaRPr lang="en-US"/>
           </a:p>
           <a:p>
             <a:pPr lvl="2"/>
@@ -1576,6 +1507,7 @@
               <a:rPr lang="en-US"/>
               <a:t>Third level</a:t>
             </a:r>
+            <a:endParaRPr lang="en-US"/>
           </a:p>
           <a:p>
             <a:pPr lvl="3"/>
@@ -1583,6 +1515,7 @@
               <a:rPr lang="en-US"/>
               <a:t>Fourth level</a:t>
             </a:r>
+            <a:endParaRPr lang="en-US"/>
           </a:p>
           <a:p>
             <a:pPr lvl="4"/>
@@ -1590,6 +1523,7 @@
               <a:rPr lang="en-US"/>
               <a:t>Fifth level</a:t>
             </a:r>
+            <a:endParaRPr lang="en-US"/>
           </a:p>
         </p:txBody>
       </p:sp>
@@ -1610,7 +1544,6 @@
           <a:p>
             <a:fld id="{1342D4F3-7900-47D4-A7E5-8AEF464ACB06}" type="datetimeFigureOut">
               <a:rPr lang="en-US" smtClean="0"/>
-              <a:t>3/23/2018</a:t>
             </a:fld>
             <a:endParaRPr lang="en-US"/>
           </a:p>
@@ -1652,18 +1585,12 @@
           <a:p>
             <a:fld id="{46B54676-752A-42A7-B71C-7A34214C6888}" type="slidenum">
               <a:rPr lang="en-US" smtClean="0"/>
-              <a:t>‹#›</a:t>
             </a:fld>
             <a:endParaRPr lang="en-US"/>
           </a:p>
         </p:txBody>
       </p:sp>
     </p:spTree>
-    <p:extLst>
-      <p:ext uri="{BB962C8B-B14F-4D97-AF65-F5344CB8AC3E}">
-        <p14:creationId xmlns:p14="http://schemas.microsoft.com/office/powerpoint/2010/main" val="3415750550"/>
-      </p:ext>
-    </p:extLst>
   </p:cSld>
   <p:clrMapOvr>
     <a:masterClrMapping/>
@@ -1712,6 +1639,7 @@
               <a:rPr lang="en-US"/>
               <a:t>Click to edit Master title style</a:t>
             </a:r>
+            <a:endParaRPr lang="en-US"/>
           </a:p>
         </p:txBody>
       </p:sp>
@@ -1740,6 +1668,7 @@
               <a:rPr lang="en-US"/>
               <a:t>Click to edit Master text styles</a:t>
             </a:r>
+            <a:endParaRPr lang="en-US"/>
           </a:p>
           <a:p>
             <a:pPr lvl="1"/>
@@ -1747,6 +1676,7 @@
               <a:rPr lang="en-US"/>
               <a:t>Second level</a:t>
             </a:r>
+            <a:endParaRPr lang="en-US"/>
           </a:p>
           <a:p>
             <a:pPr lvl="2"/>
@@ -1754,6 +1684,7 @@
               <a:rPr lang="en-US"/>
               <a:t>Third level</a:t>
             </a:r>
+            <a:endParaRPr lang="en-US"/>
           </a:p>
           <a:p>
             <a:pPr lvl="3"/>
@@ -1761,6 +1692,7 @@
               <a:rPr lang="en-US"/>
               <a:t>Fourth level</a:t>
             </a:r>
+            <a:endParaRPr lang="en-US"/>
           </a:p>
           <a:p>
             <a:pPr lvl="4"/>
@@ -1768,6 +1700,7 @@
               <a:rPr lang="en-US"/>
               <a:t>Fifth level</a:t>
             </a:r>
+            <a:endParaRPr lang="en-US"/>
           </a:p>
         </p:txBody>
       </p:sp>
@@ -1788,7 +1721,6 @@
           <a:p>
             <a:fld id="{1342D4F3-7900-47D4-A7E5-8AEF464ACB06}" type="datetimeFigureOut">
               <a:rPr lang="en-US" smtClean="0"/>
-              <a:t>3/23/2018</a:t>
             </a:fld>
             <a:endParaRPr lang="en-US"/>
           </a:p>
@@ -1830,18 +1762,12 @@
           <a:p>
             <a:fld id="{46B54676-752A-42A7-B71C-7A34214C6888}" type="slidenum">
               <a:rPr lang="en-US" smtClean="0"/>
-              <a:t>‹#›</a:t>
             </a:fld>
             <a:endParaRPr lang="en-US"/>
           </a:p>
         </p:txBody>
       </p:sp>
     </p:spTree>
-    <p:extLst>
-      <p:ext uri="{BB962C8B-B14F-4D97-AF65-F5344CB8AC3E}">
-        <p14:creationId xmlns:p14="http://schemas.microsoft.com/office/powerpoint/2010/main" val="3514144596"/>
-      </p:ext>
-    </p:extLst>
   </p:cSld>
   <p:clrMapOvr>
     <a:masterClrMapping/>
@@ -1885,6 +1811,7 @@
               <a:rPr lang="en-US"/>
               <a:t>Click to edit Master title style</a:t>
             </a:r>
+            <a:endParaRPr lang="en-US"/>
           </a:p>
         </p:txBody>
       </p:sp>
@@ -1908,6 +1835,7 @@
               <a:rPr lang="en-US"/>
               <a:t>Click to edit Master text styles</a:t>
             </a:r>
+            <a:endParaRPr lang="en-US"/>
           </a:p>
           <a:p>
             <a:pPr lvl="1"/>
@@ -1915,6 +1843,7 @@
               <a:rPr lang="en-US"/>
               <a:t>Second level</a:t>
             </a:r>
+            <a:endParaRPr lang="en-US"/>
           </a:p>
           <a:p>
             <a:pPr lvl="2"/>
@@ -1922,6 +1851,7 @@
               <a:rPr lang="en-US"/>
               <a:t>Third level</a:t>
             </a:r>
+            <a:endParaRPr lang="en-US"/>
           </a:p>
           <a:p>
             <a:pPr lvl="3"/>
@@ -1929,6 +1859,7 @@
               <a:rPr lang="en-US"/>
               <a:t>Fourth level</a:t>
             </a:r>
+            <a:endParaRPr lang="en-US"/>
           </a:p>
           <a:p>
             <a:pPr lvl="4"/>
@@ -1936,6 +1867,7 @@
               <a:rPr lang="en-US"/>
               <a:t>Fifth level</a:t>
             </a:r>
+            <a:endParaRPr lang="en-US"/>
           </a:p>
         </p:txBody>
       </p:sp>
@@ -1956,7 +1888,6 @@
           <a:p>
             <a:fld id="{1342D4F3-7900-47D4-A7E5-8AEF464ACB06}" type="datetimeFigureOut">
               <a:rPr lang="en-US" smtClean="0"/>
-              <a:t>3/23/2018</a:t>
             </a:fld>
             <a:endParaRPr lang="en-US"/>
           </a:p>
@@ -1998,18 +1929,12 @@
           <a:p>
             <a:fld id="{46B54676-752A-42A7-B71C-7A34214C6888}" type="slidenum">
               <a:rPr lang="en-US" smtClean="0"/>
-              <a:t>‹#›</a:t>
             </a:fld>
             <a:endParaRPr lang="en-US"/>
           </a:p>
         </p:txBody>
       </p:sp>
     </p:spTree>
-    <p:extLst>
-      <p:ext uri="{BB962C8B-B14F-4D97-AF65-F5344CB8AC3E}">
-        <p14:creationId xmlns:p14="http://schemas.microsoft.com/office/powerpoint/2010/main" val="1129596510"/>
-      </p:ext>
-    </p:extLst>
   </p:cSld>
   <p:clrMapOvr>
     <a:masterClrMapping/>
@@ -2062,6 +1987,7 @@
               <a:rPr lang="en-US"/>
               <a:t>Click to edit Master title style</a:t>
             </a:r>
+            <a:endParaRPr lang="en-US"/>
           </a:p>
         </p:txBody>
       </p:sp>
@@ -2181,6 +2107,7 @@
               <a:rPr lang="en-US"/>
               <a:t>Click to edit Master text styles</a:t>
             </a:r>
+            <a:endParaRPr lang="en-US"/>
           </a:p>
         </p:txBody>
       </p:sp>
@@ -2201,7 +2128,6 @@
           <a:p>
             <a:fld id="{1342D4F3-7900-47D4-A7E5-8AEF464ACB06}" type="datetimeFigureOut">
               <a:rPr lang="en-US" smtClean="0"/>
-              <a:t>3/23/2018</a:t>
             </a:fld>
             <a:endParaRPr lang="en-US"/>
           </a:p>
@@ -2243,18 +2169,12 @@
           <a:p>
             <a:fld id="{46B54676-752A-42A7-B71C-7A34214C6888}" type="slidenum">
               <a:rPr lang="en-US" smtClean="0"/>
-              <a:t>‹#›</a:t>
             </a:fld>
             <a:endParaRPr lang="en-US"/>
           </a:p>
         </p:txBody>
       </p:sp>
     </p:spTree>
-    <p:extLst>
-      <p:ext uri="{BB962C8B-B14F-4D97-AF65-F5344CB8AC3E}">
-        <p14:creationId xmlns:p14="http://schemas.microsoft.com/office/powerpoint/2010/main" val="1076522317"/>
-      </p:ext>
-    </p:extLst>
   </p:cSld>
   <p:clrMapOvr>
     <a:masterClrMapping/>
@@ -2298,6 +2218,7 @@
               <a:rPr lang="en-US"/>
               <a:t>Click to edit Master title style</a:t>
             </a:r>
+            <a:endParaRPr lang="en-US"/>
           </a:p>
         </p:txBody>
       </p:sp>
@@ -2326,6 +2247,7 @@
               <a:rPr lang="en-US"/>
               <a:t>Click to edit Master text styles</a:t>
             </a:r>
+            <a:endParaRPr lang="en-US"/>
           </a:p>
           <a:p>
             <a:pPr lvl="1"/>
@@ -2333,6 +2255,7 @@
               <a:rPr lang="en-US"/>
               <a:t>Second level</a:t>
             </a:r>
+            <a:endParaRPr lang="en-US"/>
           </a:p>
           <a:p>
             <a:pPr lvl="2"/>
@@ -2340,6 +2263,7 @@
               <a:rPr lang="en-US"/>
               <a:t>Third level</a:t>
             </a:r>
+            <a:endParaRPr lang="en-US"/>
           </a:p>
           <a:p>
             <a:pPr lvl="3"/>
@@ -2347,6 +2271,7 @@
               <a:rPr lang="en-US"/>
               <a:t>Fourth level</a:t>
             </a:r>
+            <a:endParaRPr lang="en-US"/>
           </a:p>
           <a:p>
             <a:pPr lvl="4"/>
@@ -2354,6 +2279,7 @@
               <a:rPr lang="en-US"/>
               <a:t>Fifth level</a:t>
             </a:r>
+            <a:endParaRPr lang="en-US"/>
           </a:p>
         </p:txBody>
       </p:sp>
@@ -2382,6 +2308,7 @@
               <a:rPr lang="en-US"/>
               <a:t>Click to edit Master text styles</a:t>
             </a:r>
+            <a:endParaRPr lang="en-US"/>
           </a:p>
           <a:p>
             <a:pPr lvl="1"/>
@@ -2389,6 +2316,7 @@
               <a:rPr lang="en-US"/>
               <a:t>Second level</a:t>
             </a:r>
+            <a:endParaRPr lang="en-US"/>
           </a:p>
           <a:p>
             <a:pPr lvl="2"/>
@@ -2396,6 +2324,7 @@
               <a:rPr lang="en-US"/>
               <a:t>Third level</a:t>
             </a:r>
+            <a:endParaRPr lang="en-US"/>
           </a:p>
           <a:p>
             <a:pPr lvl="3"/>
@@ -2403,6 +2332,7 @@
               <a:rPr lang="en-US"/>
               <a:t>Fourth level</a:t>
             </a:r>
+            <a:endParaRPr lang="en-US"/>
           </a:p>
           <a:p>
             <a:pPr lvl="4"/>
@@ -2410,6 +2340,7 @@
               <a:rPr lang="en-US"/>
               <a:t>Fifth level</a:t>
             </a:r>
+            <a:endParaRPr lang="en-US"/>
           </a:p>
         </p:txBody>
       </p:sp>
@@ -2430,7 +2361,6 @@
           <a:p>
             <a:fld id="{1342D4F3-7900-47D4-A7E5-8AEF464ACB06}" type="datetimeFigureOut">
               <a:rPr lang="en-US" smtClean="0"/>
-              <a:t>3/23/2018</a:t>
             </a:fld>
             <a:endParaRPr lang="en-US"/>
           </a:p>
@@ -2472,18 +2402,12 @@
           <a:p>
             <a:fld id="{46B54676-752A-42A7-B71C-7A34214C6888}" type="slidenum">
               <a:rPr lang="en-US" smtClean="0"/>
-              <a:t>‹#›</a:t>
             </a:fld>
             <a:endParaRPr lang="en-US"/>
           </a:p>
         </p:txBody>
       </p:sp>
     </p:spTree>
-    <p:extLst>
-      <p:ext uri="{BB962C8B-B14F-4D97-AF65-F5344CB8AC3E}">
-        <p14:creationId xmlns:p14="http://schemas.microsoft.com/office/powerpoint/2010/main" val="1045987537"/>
-      </p:ext>
-    </p:extLst>
   </p:cSld>
   <p:clrMapOvr>
     <a:masterClrMapping/>
@@ -2532,6 +2456,7 @@
               <a:rPr lang="en-US"/>
               <a:t>Click to edit Master title style</a:t>
             </a:r>
+            <a:endParaRPr lang="en-US"/>
           </a:p>
         </p:txBody>
       </p:sp>
@@ -2597,6 +2522,7 @@
               <a:rPr lang="en-US"/>
               <a:t>Click to edit Master text styles</a:t>
             </a:r>
+            <a:endParaRPr lang="en-US"/>
           </a:p>
         </p:txBody>
       </p:sp>
@@ -2625,6 +2551,7 @@
               <a:rPr lang="en-US"/>
               <a:t>Click to edit Master text styles</a:t>
             </a:r>
+            <a:endParaRPr lang="en-US"/>
           </a:p>
           <a:p>
             <a:pPr lvl="1"/>
@@ -2632,6 +2559,7 @@
               <a:rPr lang="en-US"/>
               <a:t>Second level</a:t>
             </a:r>
+            <a:endParaRPr lang="en-US"/>
           </a:p>
           <a:p>
             <a:pPr lvl="2"/>
@@ -2639,6 +2567,7 @@
               <a:rPr lang="en-US"/>
               <a:t>Third level</a:t>
             </a:r>
+            <a:endParaRPr lang="en-US"/>
           </a:p>
           <a:p>
             <a:pPr lvl="3"/>
@@ -2646,6 +2575,7 @@
               <a:rPr lang="en-US"/>
               <a:t>Fourth level</a:t>
             </a:r>
+            <a:endParaRPr lang="en-US"/>
           </a:p>
           <a:p>
             <a:pPr lvl="4"/>
@@ -2653,6 +2583,7 @@
               <a:rPr lang="en-US"/>
               <a:t>Fifth level</a:t>
             </a:r>
+            <a:endParaRPr lang="en-US"/>
           </a:p>
         </p:txBody>
       </p:sp>
@@ -2718,6 +2649,7 @@
               <a:rPr lang="en-US"/>
               <a:t>Click to edit Master text styles</a:t>
             </a:r>
+            <a:endParaRPr lang="en-US"/>
           </a:p>
         </p:txBody>
       </p:sp>
@@ -2746,6 +2678,7 @@
               <a:rPr lang="en-US"/>
               <a:t>Click to edit Master text styles</a:t>
             </a:r>
+            <a:endParaRPr lang="en-US"/>
           </a:p>
           <a:p>
             <a:pPr lvl="1"/>
@@ -2753,6 +2686,7 @@
               <a:rPr lang="en-US"/>
               <a:t>Second level</a:t>
             </a:r>
+            <a:endParaRPr lang="en-US"/>
           </a:p>
           <a:p>
             <a:pPr lvl="2"/>
@@ -2760,6 +2694,7 @@
               <a:rPr lang="en-US"/>
               <a:t>Third level</a:t>
             </a:r>
+            <a:endParaRPr lang="en-US"/>
           </a:p>
           <a:p>
             <a:pPr lvl="3"/>
@@ -2767,6 +2702,7 @@
               <a:rPr lang="en-US"/>
               <a:t>Fourth level</a:t>
             </a:r>
+            <a:endParaRPr lang="en-US"/>
           </a:p>
           <a:p>
             <a:pPr lvl="4"/>
@@ -2774,6 +2710,7 @@
               <a:rPr lang="en-US"/>
               <a:t>Fifth level</a:t>
             </a:r>
+            <a:endParaRPr lang="en-US"/>
           </a:p>
         </p:txBody>
       </p:sp>
@@ -2794,7 +2731,6 @@
           <a:p>
             <a:fld id="{1342D4F3-7900-47D4-A7E5-8AEF464ACB06}" type="datetimeFigureOut">
               <a:rPr lang="en-US" smtClean="0"/>
-              <a:t>3/23/2018</a:t>
             </a:fld>
             <a:endParaRPr lang="en-US"/>
           </a:p>
@@ -2836,18 +2772,12 @@
           <a:p>
             <a:fld id="{46B54676-752A-42A7-B71C-7A34214C6888}" type="slidenum">
               <a:rPr lang="en-US" smtClean="0"/>
-              <a:t>‹#›</a:t>
             </a:fld>
             <a:endParaRPr lang="en-US"/>
           </a:p>
         </p:txBody>
       </p:sp>
     </p:spTree>
-    <p:extLst>
-      <p:ext uri="{BB962C8B-B14F-4D97-AF65-F5344CB8AC3E}">
-        <p14:creationId xmlns:p14="http://schemas.microsoft.com/office/powerpoint/2010/main" val="2382465369"/>
-      </p:ext>
-    </p:extLst>
   </p:cSld>
   <p:clrMapOvr>
     <a:masterClrMapping/>
@@ -2891,6 +2821,7 @@
               <a:rPr lang="en-US"/>
               <a:t>Click to edit Master title style</a:t>
             </a:r>
+            <a:endParaRPr lang="en-US"/>
           </a:p>
         </p:txBody>
       </p:sp>
@@ -2911,7 +2842,6 @@
           <a:p>
             <a:fld id="{1342D4F3-7900-47D4-A7E5-8AEF464ACB06}" type="datetimeFigureOut">
               <a:rPr lang="en-US" smtClean="0"/>
-              <a:t>3/23/2018</a:t>
             </a:fld>
             <a:endParaRPr lang="en-US"/>
           </a:p>
@@ -2953,18 +2883,12 @@
           <a:p>
             <a:fld id="{46B54676-752A-42A7-B71C-7A34214C6888}" type="slidenum">
               <a:rPr lang="en-US" smtClean="0"/>
-              <a:t>‹#›</a:t>
             </a:fld>
             <a:endParaRPr lang="en-US"/>
           </a:p>
         </p:txBody>
       </p:sp>
     </p:spTree>
-    <p:extLst>
-      <p:ext uri="{BB962C8B-B14F-4D97-AF65-F5344CB8AC3E}">
-        <p14:creationId xmlns:p14="http://schemas.microsoft.com/office/powerpoint/2010/main" val="3082298944"/>
-      </p:ext>
-    </p:extLst>
   </p:cSld>
   <p:clrMapOvr>
     <a:masterClrMapping/>
@@ -3006,7 +2930,6 @@
           <a:p>
             <a:fld id="{1342D4F3-7900-47D4-A7E5-8AEF464ACB06}" type="datetimeFigureOut">
               <a:rPr lang="en-US" smtClean="0"/>
-              <a:t>3/23/2018</a:t>
             </a:fld>
             <a:endParaRPr lang="en-US"/>
           </a:p>
@@ -3048,18 +2971,12 @@
           <a:p>
             <a:fld id="{46B54676-752A-42A7-B71C-7A34214C6888}" type="slidenum">
               <a:rPr lang="en-US" smtClean="0"/>
-              <a:t>‹#›</a:t>
             </a:fld>
             <a:endParaRPr lang="en-US"/>
           </a:p>
         </p:txBody>
       </p:sp>
     </p:spTree>
-    <p:extLst>
-      <p:ext uri="{BB962C8B-B14F-4D97-AF65-F5344CB8AC3E}">
-        <p14:creationId xmlns:p14="http://schemas.microsoft.com/office/powerpoint/2010/main" val="3997078337"/>
-      </p:ext>
-    </p:extLst>
   </p:cSld>
   <p:clrMapOvr>
     <a:masterClrMapping/>
@@ -3112,6 +3029,7 @@
               <a:rPr lang="en-US"/>
               <a:t>Click to edit Master title style</a:t>
             </a:r>
+            <a:endParaRPr lang="en-US"/>
           </a:p>
         </p:txBody>
       </p:sp>
@@ -3168,6 +3086,7 @@
               <a:rPr lang="en-US"/>
               <a:t>Click to edit Master text styles</a:t>
             </a:r>
+            <a:endParaRPr lang="en-US"/>
           </a:p>
           <a:p>
             <a:pPr lvl="1"/>
@@ -3175,6 +3094,7 @@
               <a:rPr lang="en-US"/>
               <a:t>Second level</a:t>
             </a:r>
+            <a:endParaRPr lang="en-US"/>
           </a:p>
           <a:p>
             <a:pPr lvl="2"/>
@@ -3182,6 +3102,7 @@
               <a:rPr lang="en-US"/>
               <a:t>Third level</a:t>
             </a:r>
+            <a:endParaRPr lang="en-US"/>
           </a:p>
           <a:p>
             <a:pPr lvl="3"/>
@@ -3189,6 +3110,7 @@
               <a:rPr lang="en-US"/>
               <a:t>Fourth level</a:t>
             </a:r>
+            <a:endParaRPr lang="en-US"/>
           </a:p>
           <a:p>
             <a:pPr lvl="4"/>
@@ -3196,6 +3118,7 @@
               <a:rPr lang="en-US"/>
               <a:t>Fifth level</a:t>
             </a:r>
+            <a:endParaRPr lang="en-US"/>
           </a:p>
         </p:txBody>
       </p:sp>
@@ -3261,6 +3184,7 @@
               <a:rPr lang="en-US"/>
               <a:t>Click to edit Master text styles</a:t>
             </a:r>
+            <a:endParaRPr lang="en-US"/>
           </a:p>
         </p:txBody>
       </p:sp>
@@ -3281,7 +3205,6 @@
           <a:p>
             <a:fld id="{1342D4F3-7900-47D4-A7E5-8AEF464ACB06}" type="datetimeFigureOut">
               <a:rPr lang="en-US" smtClean="0"/>
-              <a:t>3/23/2018</a:t>
             </a:fld>
             <a:endParaRPr lang="en-US"/>
           </a:p>
@@ -3323,18 +3246,12 @@
           <a:p>
             <a:fld id="{46B54676-752A-42A7-B71C-7A34214C6888}" type="slidenum">
               <a:rPr lang="en-US" smtClean="0"/>
-              <a:t>‹#›</a:t>
             </a:fld>
             <a:endParaRPr lang="en-US"/>
           </a:p>
         </p:txBody>
       </p:sp>
     </p:spTree>
-    <p:extLst>
-      <p:ext uri="{BB962C8B-B14F-4D97-AF65-F5344CB8AC3E}">
-        <p14:creationId xmlns:p14="http://schemas.microsoft.com/office/powerpoint/2010/main" val="3023886297"/>
-      </p:ext>
-    </p:extLst>
   </p:cSld>
   <p:clrMapOvr>
     <a:masterClrMapping/>
@@ -3387,6 +3304,7 @@
               <a:rPr lang="en-US"/>
               <a:t>Click to edit Master title style</a:t>
             </a:r>
+            <a:endParaRPr lang="en-US"/>
           </a:p>
         </p:txBody>
       </p:sp>
@@ -3513,6 +3431,7 @@
               <a:rPr lang="en-US"/>
               <a:t>Click to edit Master text styles</a:t>
             </a:r>
+            <a:endParaRPr lang="en-US"/>
           </a:p>
         </p:txBody>
       </p:sp>
@@ -3533,7 +3452,6 @@
           <a:p>
             <a:fld id="{1342D4F3-7900-47D4-A7E5-8AEF464ACB06}" type="datetimeFigureOut">
               <a:rPr lang="en-US" smtClean="0"/>
-              <a:t>3/23/2018</a:t>
             </a:fld>
             <a:endParaRPr lang="en-US"/>
           </a:p>
@@ -3575,18 +3493,12 @@
           <a:p>
             <a:fld id="{46B54676-752A-42A7-B71C-7A34214C6888}" type="slidenum">
               <a:rPr lang="en-US" smtClean="0"/>
-              <a:t>‹#›</a:t>
             </a:fld>
             <a:endParaRPr lang="en-US"/>
           </a:p>
         </p:txBody>
       </p:sp>
     </p:spTree>
-    <p:extLst>
-      <p:ext uri="{BB962C8B-B14F-4D97-AF65-F5344CB8AC3E}">
-        <p14:creationId xmlns:p14="http://schemas.microsoft.com/office/powerpoint/2010/main" val="1915276996"/>
-      </p:ext>
-    </p:extLst>
   </p:cSld>
   <p:clrMapOvr>
     <a:masterClrMapping/>
@@ -3645,6 +3557,7 @@
               <a:rPr lang="en-US"/>
               <a:t>Click to edit Master title style</a:t>
             </a:r>
+            <a:endParaRPr lang="en-US"/>
           </a:p>
         </p:txBody>
       </p:sp>
@@ -3678,6 +3591,7 @@
               <a:rPr lang="en-US"/>
               <a:t>Click to edit Master text styles</a:t>
             </a:r>
+            <a:endParaRPr lang="en-US"/>
           </a:p>
           <a:p>
             <a:pPr lvl="1"/>
@@ -3685,6 +3599,7 @@
               <a:rPr lang="en-US"/>
               <a:t>Second level</a:t>
             </a:r>
+            <a:endParaRPr lang="en-US"/>
           </a:p>
           <a:p>
             <a:pPr lvl="2"/>
@@ -3692,6 +3607,7 @@
               <a:rPr lang="en-US"/>
               <a:t>Third level</a:t>
             </a:r>
+            <a:endParaRPr lang="en-US"/>
           </a:p>
           <a:p>
             <a:pPr lvl="3"/>
@@ -3699,6 +3615,7 @@
               <a:rPr lang="en-US"/>
               <a:t>Fourth level</a:t>
             </a:r>
+            <a:endParaRPr lang="en-US"/>
           </a:p>
           <a:p>
             <a:pPr lvl="4"/>
@@ -3706,6 +3623,7 @@
               <a:rPr lang="en-US"/>
               <a:t>Fifth level</a:t>
             </a:r>
+            <a:endParaRPr lang="en-US"/>
           </a:p>
         </p:txBody>
       </p:sp>
@@ -3744,7 +3662,6 @@
           <a:p>
             <a:fld id="{1342D4F3-7900-47D4-A7E5-8AEF464ACB06}" type="datetimeFigureOut">
               <a:rPr lang="en-US" smtClean="0"/>
-              <a:t>3/23/2018</a:t>
             </a:fld>
             <a:endParaRPr lang="en-US"/>
           </a:p>
@@ -3822,18 +3739,12 @@
           <a:p>
             <a:fld id="{46B54676-752A-42A7-B71C-7A34214C6888}" type="slidenum">
               <a:rPr lang="en-US" smtClean="0"/>
-              <a:t>‹#›</a:t>
             </a:fld>
             <a:endParaRPr lang="en-US"/>
           </a:p>
         </p:txBody>
       </p:sp>
     </p:spTree>
-    <p:extLst>
-      <p:ext uri="{BB962C8B-B14F-4D97-AF65-F5344CB8AC3E}">
-        <p14:creationId xmlns:p14="http://schemas.microsoft.com/office/powerpoint/2010/main" val="1098155663"/>
-      </p:ext>
-    </p:extLst>
   </p:cSld>
   <p:clrMap bg1="lt1" tx1="dk1" bg2="lt2" tx2="dk2" accent1="accent1" accent2="accent2" accent3="accent3" accent4="accent4" accent5="accent5" accent6="accent6" hlink="hlink" folHlink="folHlink"/>
   <p:sldLayoutIdLst>
@@ -4186,8 +4097,8 @@
                 <a:solidFill>
                   <a:schemeClr val="bg1"/>
                 </a:solidFill>
-                <a:latin typeface="Microsoft YaHei" panose="020B0503020204020204" pitchFamily="34" charset="-122"/>
-                <a:ea typeface="Microsoft YaHei" panose="020B0503020204020204" pitchFamily="34" charset="-122"/>
+                <a:latin typeface="微软雅黑" panose="020B0503020204020204" pitchFamily="34" charset="-122"/>
+                <a:ea typeface="微软雅黑" panose="020B0503020204020204" pitchFamily="34" charset="-122"/>
               </a:rPr>
               <a:t>房产中介小程序界面方案设计</a:t>
             </a:r>
@@ -4195,18 +4106,13 @@
               <a:solidFill>
                 <a:schemeClr val="bg1"/>
               </a:solidFill>
-              <a:latin typeface="Microsoft YaHei" panose="020B0503020204020204" pitchFamily="34" charset="-122"/>
-              <a:ea typeface="Microsoft YaHei" panose="020B0503020204020204" pitchFamily="34" charset="-122"/>
+              <a:latin typeface="微软雅黑" panose="020B0503020204020204" pitchFamily="34" charset="-122"/>
+              <a:ea typeface="微软雅黑" panose="020B0503020204020204" pitchFamily="34" charset="-122"/>
             </a:endParaRPr>
           </a:p>
         </p:txBody>
       </p:sp>
     </p:spTree>
-    <p:extLst>
-      <p:ext uri="{BB962C8B-B14F-4D97-AF65-F5344CB8AC3E}">
-        <p14:creationId xmlns:p14="http://schemas.microsoft.com/office/powerpoint/2010/main" val="3484194430"/>
-      </p:ext>
-    </p:extLst>
   </p:cSld>
   <p:clrMapOvr>
     <a:masterClrMapping/>
@@ -4268,8 +4174,8 @@
                 <a:solidFill>
                   <a:schemeClr val="bg1"/>
                 </a:solidFill>
-                <a:latin typeface="Microsoft YaHei" panose="020B0503020204020204" pitchFamily="34" charset="-122"/>
-                <a:ea typeface="Microsoft YaHei" panose="020B0503020204020204" pitchFamily="34" charset="-122"/>
+                <a:latin typeface="微软雅黑" panose="020B0503020204020204" pitchFamily="34" charset="-122"/>
+                <a:ea typeface="微软雅黑" panose="020B0503020204020204" pitchFamily="34" charset="-122"/>
               </a:rPr>
               <a:t>门店页设计</a:t>
             </a:r>
@@ -4277,8 +4183,8 @@
               <a:solidFill>
                 <a:schemeClr val="bg1"/>
               </a:solidFill>
-              <a:latin typeface="Microsoft YaHei" panose="020B0503020204020204" pitchFamily="34" charset="-122"/>
-              <a:ea typeface="Microsoft YaHei" panose="020B0503020204020204" pitchFamily="34" charset="-122"/>
+              <a:latin typeface="微软雅黑" panose="020B0503020204020204" pitchFamily="34" charset="-122"/>
+              <a:ea typeface="微软雅黑" panose="020B0503020204020204" pitchFamily="34" charset="-122"/>
             </a:endParaRPr>
           </a:p>
         </p:txBody>
@@ -4310,8 +4216,8 @@
                 <a:solidFill>
                   <a:schemeClr val="bg1"/>
                 </a:solidFill>
-                <a:latin typeface="Microsoft YaHei" panose="020B0503020204020204" pitchFamily="34" charset="-122"/>
-                <a:ea typeface="Microsoft YaHei" panose="020B0503020204020204" pitchFamily="34" charset="-122"/>
+                <a:latin typeface="微软雅黑" panose="020B0503020204020204" pitchFamily="34" charset="-122"/>
+                <a:ea typeface="微软雅黑" panose="020B0503020204020204" pitchFamily="34" charset="-122"/>
               </a:rPr>
               <a:t>通过首页的‘门店’功能键导航到此页</a:t>
             </a:r>
@@ -4319,8 +4225,8 @@
               <a:solidFill>
                 <a:schemeClr val="bg1"/>
               </a:solidFill>
-              <a:latin typeface="Microsoft YaHei" panose="020B0503020204020204" pitchFamily="34" charset="-122"/>
-              <a:ea typeface="Microsoft YaHei" panose="020B0503020204020204" pitchFamily="34" charset="-122"/>
+              <a:latin typeface="微软雅黑" panose="020B0503020204020204" pitchFamily="34" charset="-122"/>
+              <a:ea typeface="微软雅黑" panose="020B0503020204020204" pitchFamily="34" charset="-122"/>
             </a:endParaRPr>
           </a:p>
           <a:p>
@@ -4329,8 +4235,8 @@
                 <a:solidFill>
                   <a:schemeClr val="bg1"/>
                 </a:solidFill>
-                <a:latin typeface="Microsoft YaHei" panose="020B0503020204020204" pitchFamily="34" charset="-122"/>
-                <a:ea typeface="Microsoft YaHei" panose="020B0503020204020204" pitchFamily="34" charset="-122"/>
+                <a:latin typeface="微软雅黑" panose="020B0503020204020204" pitchFamily="34" charset="-122"/>
+                <a:ea typeface="微软雅黑" panose="020B0503020204020204" pitchFamily="34" charset="-122"/>
               </a:rPr>
               <a:t>提供门店电话一键直播</a:t>
             </a:r>
@@ -4338,8 +4244,8 @@
               <a:solidFill>
                 <a:schemeClr val="bg1"/>
               </a:solidFill>
-              <a:latin typeface="Microsoft YaHei" panose="020B0503020204020204" pitchFamily="34" charset="-122"/>
-              <a:ea typeface="Microsoft YaHei" panose="020B0503020204020204" pitchFamily="34" charset="-122"/>
+              <a:latin typeface="微软雅黑" panose="020B0503020204020204" pitchFamily="34" charset="-122"/>
+              <a:ea typeface="微软雅黑" panose="020B0503020204020204" pitchFamily="34" charset="-122"/>
             </a:endParaRPr>
           </a:p>
           <a:p>
@@ -4348,8 +4254,8 @@
                 <a:solidFill>
                   <a:schemeClr val="bg1"/>
                 </a:solidFill>
-                <a:latin typeface="Microsoft YaHei" panose="020B0503020204020204" pitchFamily="34" charset="-122"/>
-                <a:ea typeface="Microsoft YaHei" panose="020B0503020204020204" pitchFamily="34" charset="-122"/>
+                <a:latin typeface="微软雅黑" panose="020B0503020204020204" pitchFamily="34" charset="-122"/>
+                <a:ea typeface="微软雅黑" panose="020B0503020204020204" pitchFamily="34" charset="-122"/>
               </a:rPr>
               <a:t>地图大头钉显示</a:t>
             </a:r>
@@ -4357,28 +4263,22 @@
               <a:solidFill>
                 <a:schemeClr val="bg1"/>
               </a:solidFill>
-              <a:latin typeface="Microsoft YaHei" panose="020B0503020204020204" pitchFamily="34" charset="-122"/>
-              <a:ea typeface="Microsoft YaHei" panose="020B0503020204020204" pitchFamily="34" charset="-122"/>
+              <a:latin typeface="微软雅黑" panose="020B0503020204020204" pitchFamily="34" charset="-122"/>
+              <a:ea typeface="微软雅黑" panose="020B0503020204020204" pitchFamily="34" charset="-122"/>
             </a:endParaRPr>
           </a:p>
         </p:txBody>
       </p:sp>
       <p:pic>
         <p:nvPicPr>
-          <p:cNvPr id="4" name="图片 3">
-            <a:extLst>
-              <a:ext uri="{FF2B5EF4-FFF2-40B4-BE49-F238E27FC236}">
-                <a16:creationId xmlns:a16="http://schemas.microsoft.com/office/drawing/2014/main" id="{F6A325C7-5DAB-4CF5-9DE4-5AAE32A13EF4}"/>
-              </a:ext>
-            </a:extLst>
-          </p:cNvPr>
+          <p:cNvPr id="4" name="图片 3"/>
           <p:cNvPicPr>
             <a:picLocks noChangeAspect="1"/>
           </p:cNvPicPr>
           <p:nvPr/>
         </p:nvPicPr>
         <p:blipFill>
-          <a:blip r:embed="rId3"/>
+          <a:blip r:embed="rId1"/>
           <a:stretch>
             <a:fillRect/>
           </a:stretch>
@@ -4394,11 +4294,6 @@
         </p:spPr>
       </p:pic>
     </p:spTree>
-    <p:extLst>
-      <p:ext uri="{BB962C8B-B14F-4D97-AF65-F5344CB8AC3E}">
-        <p14:creationId xmlns:p14="http://schemas.microsoft.com/office/powerpoint/2010/main" val="3637127050"/>
-      </p:ext>
-    </p:extLst>
   </p:cSld>
   <p:clrMapOvr>
     <a:masterClrMapping/>
@@ -4460,8 +4355,8 @@
                 <a:solidFill>
                   <a:schemeClr val="bg1"/>
                 </a:solidFill>
-                <a:latin typeface="Microsoft YaHei" panose="020B0503020204020204" pitchFamily="34" charset="-122"/>
-                <a:ea typeface="Microsoft YaHei" panose="020B0503020204020204" pitchFamily="34" charset="-122"/>
+                <a:latin typeface="微软雅黑" panose="020B0503020204020204" pitchFamily="34" charset="-122"/>
+                <a:ea typeface="微软雅黑" panose="020B0503020204020204" pitchFamily="34" charset="-122"/>
               </a:rPr>
               <a:t>首页设计</a:t>
             </a:r>
@@ -4469,28 +4364,22 @@
               <a:solidFill>
                 <a:schemeClr val="bg1"/>
               </a:solidFill>
-              <a:latin typeface="Microsoft YaHei" panose="020B0503020204020204" pitchFamily="34" charset="-122"/>
-              <a:ea typeface="Microsoft YaHei" panose="020B0503020204020204" pitchFamily="34" charset="-122"/>
+              <a:latin typeface="微软雅黑" panose="020B0503020204020204" pitchFamily="34" charset="-122"/>
+              <a:ea typeface="微软雅黑" panose="020B0503020204020204" pitchFamily="34" charset="-122"/>
             </a:endParaRPr>
           </a:p>
         </p:txBody>
       </p:sp>
       <p:pic>
         <p:nvPicPr>
-          <p:cNvPr id="2" name="图片 1">
-            <a:extLst>
-              <a:ext uri="{FF2B5EF4-FFF2-40B4-BE49-F238E27FC236}">
-                <a16:creationId xmlns:a16="http://schemas.microsoft.com/office/drawing/2014/main" id="{DB1821EA-9178-487B-B0D6-37464E757035}"/>
-              </a:ext>
-            </a:extLst>
-          </p:cNvPr>
+          <p:cNvPr id="2" name="图片 1"/>
           <p:cNvPicPr>
             <a:picLocks noChangeAspect="1"/>
           </p:cNvPicPr>
           <p:nvPr/>
         </p:nvPicPr>
         <p:blipFill>
-          <a:blip r:embed="rId3"/>
+          <a:blip r:embed="rId1"/>
           <a:stretch>
             <a:fillRect/>
           </a:stretch>
@@ -4507,13 +4396,7 @@
       </p:pic>
       <p:sp>
         <p:nvSpPr>
-          <p:cNvPr id="12" name="TextBox 6">
-            <a:extLst>
-              <a:ext uri="{FF2B5EF4-FFF2-40B4-BE49-F238E27FC236}">
-                <a16:creationId xmlns:a16="http://schemas.microsoft.com/office/drawing/2014/main" id="{312D663D-7A20-4444-BF67-73EDEA1D854A}"/>
-              </a:ext>
-            </a:extLst>
-          </p:cNvPr>
+          <p:cNvPr id="12" name="TextBox 6"/>
           <p:cNvSpPr txBox="1"/>
           <p:nvPr/>
         </p:nvSpPr>
@@ -4538,8 +4421,8 @@
                 <a:solidFill>
                   <a:schemeClr val="bg1"/>
                 </a:solidFill>
-                <a:latin typeface="Microsoft YaHei" panose="020B0503020204020204" pitchFamily="34" charset="-122"/>
-                <a:ea typeface="Microsoft YaHei" panose="020B0503020204020204" pitchFamily="34" charset="-122"/>
+                <a:latin typeface="微软雅黑" panose="020B0503020204020204" pitchFamily="34" charset="-122"/>
+                <a:ea typeface="微软雅黑" panose="020B0503020204020204" pitchFamily="34" charset="-122"/>
               </a:rPr>
               <a:t>首页分普通用户和管理员用户实现不同效果</a:t>
             </a:r>
@@ -4547,8 +4430,8 @@
               <a:solidFill>
                 <a:schemeClr val="bg1"/>
               </a:solidFill>
-              <a:latin typeface="Microsoft YaHei" panose="020B0503020204020204" pitchFamily="34" charset="-122"/>
-              <a:ea typeface="Microsoft YaHei" panose="020B0503020204020204" pitchFamily="34" charset="-122"/>
+              <a:latin typeface="微软雅黑" panose="020B0503020204020204" pitchFamily="34" charset="-122"/>
+              <a:ea typeface="微软雅黑" panose="020B0503020204020204" pitchFamily="34" charset="-122"/>
             </a:endParaRPr>
           </a:p>
           <a:p>
@@ -4556,8 +4439,8 @@
               <a:solidFill>
                 <a:schemeClr val="bg1"/>
               </a:solidFill>
-              <a:latin typeface="Microsoft YaHei" panose="020B0503020204020204" pitchFamily="34" charset="-122"/>
-              <a:ea typeface="Microsoft YaHei" panose="020B0503020204020204" pitchFamily="34" charset="-122"/>
+              <a:latin typeface="微软雅黑" panose="020B0503020204020204" pitchFamily="34" charset="-122"/>
+              <a:ea typeface="微软雅黑" panose="020B0503020204020204" pitchFamily="34" charset="-122"/>
             </a:endParaRPr>
           </a:p>
           <a:p>
@@ -4566,8 +4449,8 @@
                 <a:solidFill>
                   <a:schemeClr val="bg1"/>
                 </a:solidFill>
-                <a:latin typeface="Microsoft YaHei" panose="020B0503020204020204" pitchFamily="34" charset="-122"/>
-                <a:ea typeface="Microsoft YaHei" panose="020B0503020204020204" pitchFamily="34" charset="-122"/>
+                <a:latin typeface="微软雅黑" panose="020B0503020204020204" pitchFamily="34" charset="-122"/>
+                <a:ea typeface="微软雅黑" panose="020B0503020204020204" pitchFamily="34" charset="-122"/>
               </a:rPr>
               <a:t>管理员登录后，可以在首页新增房源和管理房源</a:t>
             </a:r>
@@ -4575,28 +4458,22 @@
               <a:solidFill>
                 <a:schemeClr val="bg1"/>
               </a:solidFill>
-              <a:latin typeface="Microsoft YaHei" panose="020B0503020204020204" pitchFamily="34" charset="-122"/>
-              <a:ea typeface="Microsoft YaHei" panose="020B0503020204020204" pitchFamily="34" charset="-122"/>
+              <a:latin typeface="微软雅黑" panose="020B0503020204020204" pitchFamily="34" charset="-122"/>
+              <a:ea typeface="微软雅黑" panose="020B0503020204020204" pitchFamily="34" charset="-122"/>
             </a:endParaRPr>
           </a:p>
         </p:txBody>
       </p:sp>
       <p:pic>
         <p:nvPicPr>
-          <p:cNvPr id="6" name="图片 5">
-            <a:extLst>
-              <a:ext uri="{FF2B5EF4-FFF2-40B4-BE49-F238E27FC236}">
-                <a16:creationId xmlns:a16="http://schemas.microsoft.com/office/drawing/2014/main" id="{A5273918-B3FB-4142-9EAC-30ED88B6D583}"/>
-              </a:ext>
-            </a:extLst>
-          </p:cNvPr>
+          <p:cNvPr id="6" name="图片 5"/>
           <p:cNvPicPr>
             <a:picLocks noChangeAspect="1"/>
           </p:cNvPicPr>
           <p:nvPr/>
         </p:nvPicPr>
         <p:blipFill>
-          <a:blip r:embed="rId4"/>
+          <a:blip r:embed="rId2"/>
           <a:stretch>
             <a:fillRect/>
           </a:stretch>
@@ -4612,11 +4489,6 @@
         </p:spPr>
       </p:pic>
     </p:spTree>
-    <p:extLst>
-      <p:ext uri="{BB962C8B-B14F-4D97-AF65-F5344CB8AC3E}">
-        <p14:creationId xmlns:p14="http://schemas.microsoft.com/office/powerpoint/2010/main" val="2977551753"/>
-      </p:ext>
-    </p:extLst>
   </p:cSld>
   <p:clrMapOvr>
     <a:masterClrMapping/>
@@ -4678,8 +4550,8 @@
                 <a:solidFill>
                   <a:schemeClr val="bg1"/>
                 </a:solidFill>
-                <a:latin typeface="Microsoft YaHei" panose="020B0503020204020204" pitchFamily="34" charset="-122"/>
-                <a:ea typeface="Microsoft YaHei" panose="020B0503020204020204" pitchFamily="34" charset="-122"/>
+                <a:latin typeface="微软雅黑" panose="020B0503020204020204" pitchFamily="34" charset="-122"/>
+                <a:ea typeface="微软雅黑" panose="020B0503020204020204" pitchFamily="34" charset="-122"/>
               </a:rPr>
               <a:t>新增房源页设计</a:t>
             </a:r>
@@ -4687,28 +4559,22 @@
               <a:solidFill>
                 <a:schemeClr val="bg1"/>
               </a:solidFill>
-              <a:latin typeface="Microsoft YaHei" panose="020B0503020204020204" pitchFamily="34" charset="-122"/>
-              <a:ea typeface="Microsoft YaHei" panose="020B0503020204020204" pitchFamily="34" charset="-122"/>
+              <a:latin typeface="微软雅黑" panose="020B0503020204020204" pitchFamily="34" charset="-122"/>
+              <a:ea typeface="微软雅黑" panose="020B0503020204020204" pitchFamily="34" charset="-122"/>
             </a:endParaRPr>
           </a:p>
         </p:txBody>
       </p:sp>
       <p:pic>
         <p:nvPicPr>
-          <p:cNvPr id="2" name="图片 1">
-            <a:extLst>
-              <a:ext uri="{FF2B5EF4-FFF2-40B4-BE49-F238E27FC236}">
-                <a16:creationId xmlns:a16="http://schemas.microsoft.com/office/drawing/2014/main" id="{02F0B8B8-35E4-43DB-9516-5D18B0968CF8}"/>
-              </a:ext>
-            </a:extLst>
-          </p:cNvPr>
+          <p:cNvPr id="2" name="图片 1"/>
           <p:cNvPicPr>
             <a:picLocks noChangeAspect="1"/>
           </p:cNvPicPr>
           <p:nvPr/>
         </p:nvPicPr>
         <p:blipFill>
-          <a:blip r:embed="rId3"/>
+          <a:blip r:embed="rId1"/>
           <a:stretch>
             <a:fillRect/>
           </a:stretch>
@@ -4725,20 +4591,14 @@
       </p:pic>
       <p:pic>
         <p:nvPicPr>
-          <p:cNvPr id="5" name="图片 4">
-            <a:extLst>
-              <a:ext uri="{FF2B5EF4-FFF2-40B4-BE49-F238E27FC236}">
-                <a16:creationId xmlns:a16="http://schemas.microsoft.com/office/drawing/2014/main" id="{FAA9F71C-9313-47EC-9C8A-87D23F7DDA5C}"/>
-              </a:ext>
-            </a:extLst>
-          </p:cNvPr>
+          <p:cNvPr id="5" name="图片 4"/>
           <p:cNvPicPr>
             <a:picLocks noChangeAspect="1"/>
           </p:cNvPicPr>
           <p:nvPr/>
         </p:nvPicPr>
         <p:blipFill>
-          <a:blip r:embed="rId4"/>
+          <a:blip r:embed="rId2"/>
           <a:stretch>
             <a:fillRect/>
           </a:stretch>
@@ -4755,13 +4615,7 @@
       </p:pic>
       <p:sp>
         <p:nvSpPr>
-          <p:cNvPr id="8" name="TextBox 6">
-            <a:extLst>
-              <a:ext uri="{FF2B5EF4-FFF2-40B4-BE49-F238E27FC236}">
-                <a16:creationId xmlns:a16="http://schemas.microsoft.com/office/drawing/2014/main" id="{49CECEAA-9909-4F48-B93C-5BF883305614}"/>
-              </a:ext>
-            </a:extLst>
-          </p:cNvPr>
+          <p:cNvPr id="8" name="TextBox 6"/>
           <p:cNvSpPr txBox="1"/>
           <p:nvPr/>
         </p:nvSpPr>
@@ -4786,8 +4640,8 @@
                 <a:solidFill>
                   <a:schemeClr val="bg1"/>
                 </a:solidFill>
-                <a:latin typeface="Microsoft YaHei" panose="020B0503020204020204" pitchFamily="34" charset="-122"/>
-                <a:ea typeface="Microsoft YaHei" panose="020B0503020204020204" pitchFamily="34" charset="-122"/>
+                <a:latin typeface="微软雅黑" panose="020B0503020204020204" pitchFamily="34" charset="-122"/>
+                <a:ea typeface="微软雅黑" panose="020B0503020204020204" pitchFamily="34" charset="-122"/>
               </a:rPr>
               <a:t>选择新增房源后，可以再次选择新增二手房源还是出租房源，分别加载不同页面</a:t>
             </a:r>
@@ -4795,18 +4649,13 @@
               <a:solidFill>
                 <a:schemeClr val="bg1"/>
               </a:solidFill>
-              <a:latin typeface="Microsoft YaHei" panose="020B0503020204020204" pitchFamily="34" charset="-122"/>
-              <a:ea typeface="Microsoft YaHei" panose="020B0503020204020204" pitchFamily="34" charset="-122"/>
+              <a:latin typeface="微软雅黑" panose="020B0503020204020204" pitchFamily="34" charset="-122"/>
+              <a:ea typeface="微软雅黑" panose="020B0503020204020204" pitchFamily="34" charset="-122"/>
             </a:endParaRPr>
           </a:p>
         </p:txBody>
       </p:sp>
     </p:spTree>
-    <p:extLst>
-      <p:ext uri="{BB962C8B-B14F-4D97-AF65-F5344CB8AC3E}">
-        <p14:creationId xmlns:p14="http://schemas.microsoft.com/office/powerpoint/2010/main" val="2392041637"/>
-      </p:ext>
-    </p:extLst>
   </p:cSld>
   <p:clrMapOvr>
     <a:masterClrMapping/>
@@ -4868,8 +4717,8 @@
                 <a:solidFill>
                   <a:schemeClr val="bg1"/>
                 </a:solidFill>
-                <a:latin typeface="Microsoft YaHei" panose="020B0503020204020204" pitchFamily="34" charset="-122"/>
-                <a:ea typeface="Microsoft YaHei" panose="020B0503020204020204" pitchFamily="34" charset="-122"/>
+                <a:latin typeface="微软雅黑" panose="020B0503020204020204" pitchFamily="34" charset="-122"/>
+                <a:ea typeface="微软雅黑" panose="020B0503020204020204" pitchFamily="34" charset="-122"/>
               </a:rPr>
               <a:t>管理房源页设计</a:t>
             </a:r>
@@ -4877,28 +4726,22 @@
               <a:solidFill>
                 <a:schemeClr val="bg1"/>
               </a:solidFill>
-              <a:latin typeface="Microsoft YaHei" panose="020B0503020204020204" pitchFamily="34" charset="-122"/>
-              <a:ea typeface="Microsoft YaHei" panose="020B0503020204020204" pitchFamily="34" charset="-122"/>
+              <a:latin typeface="微软雅黑" panose="020B0503020204020204" pitchFamily="34" charset="-122"/>
+              <a:ea typeface="微软雅黑" panose="020B0503020204020204" pitchFamily="34" charset="-122"/>
             </a:endParaRPr>
           </a:p>
         </p:txBody>
       </p:sp>
       <p:pic>
         <p:nvPicPr>
-          <p:cNvPr id="2" name="图片 1">
-            <a:extLst>
-              <a:ext uri="{FF2B5EF4-FFF2-40B4-BE49-F238E27FC236}">
-                <a16:creationId xmlns:a16="http://schemas.microsoft.com/office/drawing/2014/main" id="{F17E595B-395B-4FF7-A4DB-4E31F3EBDE8B}"/>
-              </a:ext>
-            </a:extLst>
-          </p:cNvPr>
+          <p:cNvPr id="2" name="图片 1"/>
           <p:cNvPicPr>
             <a:picLocks noChangeAspect="1"/>
           </p:cNvPicPr>
           <p:nvPr/>
         </p:nvPicPr>
         <p:blipFill>
-          <a:blip r:embed="rId3"/>
+          <a:blip r:embed="rId1"/>
           <a:stretch>
             <a:fillRect/>
           </a:stretch>
@@ -4915,20 +4758,14 @@
       </p:pic>
       <p:pic>
         <p:nvPicPr>
-          <p:cNvPr id="4" name="图片 3">
-            <a:extLst>
-              <a:ext uri="{FF2B5EF4-FFF2-40B4-BE49-F238E27FC236}">
-                <a16:creationId xmlns:a16="http://schemas.microsoft.com/office/drawing/2014/main" id="{2923AE92-2837-41EF-A6F3-59C76885C20F}"/>
-              </a:ext>
-            </a:extLst>
-          </p:cNvPr>
+          <p:cNvPr id="4" name="图片 3"/>
           <p:cNvPicPr>
             <a:picLocks noChangeAspect="1"/>
           </p:cNvPicPr>
           <p:nvPr/>
         </p:nvPicPr>
         <p:blipFill>
-          <a:blip r:embed="rId4"/>
+          <a:blip r:embed="rId2"/>
           <a:stretch>
             <a:fillRect/>
           </a:stretch>
@@ -4945,13 +4782,7 @@
       </p:pic>
       <p:sp>
         <p:nvSpPr>
-          <p:cNvPr id="7" name="TextBox 6">
-            <a:extLst>
-              <a:ext uri="{FF2B5EF4-FFF2-40B4-BE49-F238E27FC236}">
-                <a16:creationId xmlns:a16="http://schemas.microsoft.com/office/drawing/2014/main" id="{562BAD85-292D-408F-922B-6C27F86CBF93}"/>
-              </a:ext>
-            </a:extLst>
-          </p:cNvPr>
+          <p:cNvPr id="7" name="TextBox 6"/>
           <p:cNvSpPr txBox="1"/>
           <p:nvPr/>
         </p:nvSpPr>
@@ -4976,8 +4807,8 @@
                 <a:solidFill>
                   <a:schemeClr val="bg1"/>
                 </a:solidFill>
-                <a:latin typeface="Microsoft YaHei" panose="020B0503020204020204" pitchFamily="34" charset="-122"/>
-                <a:ea typeface="Microsoft YaHei" panose="020B0503020204020204" pitchFamily="34" charset="-122"/>
+                <a:latin typeface="微软雅黑" panose="020B0503020204020204" pitchFamily="34" charset="-122"/>
+                <a:ea typeface="微软雅黑" panose="020B0503020204020204" pitchFamily="34" charset="-122"/>
               </a:rPr>
               <a:t>选择管理房源后，可以再次选择管理二手房源还是出租房源，分别加载不同页面</a:t>
             </a:r>
@@ -4985,18 +4816,13 @@
               <a:solidFill>
                 <a:schemeClr val="bg1"/>
               </a:solidFill>
-              <a:latin typeface="Microsoft YaHei" panose="020B0503020204020204" pitchFamily="34" charset="-122"/>
-              <a:ea typeface="Microsoft YaHei" panose="020B0503020204020204" pitchFamily="34" charset="-122"/>
+              <a:latin typeface="微软雅黑" panose="020B0503020204020204" pitchFamily="34" charset="-122"/>
+              <a:ea typeface="微软雅黑" panose="020B0503020204020204" pitchFamily="34" charset="-122"/>
             </a:endParaRPr>
           </a:p>
         </p:txBody>
       </p:sp>
     </p:spTree>
-    <p:extLst>
-      <p:ext uri="{BB962C8B-B14F-4D97-AF65-F5344CB8AC3E}">
-        <p14:creationId xmlns:p14="http://schemas.microsoft.com/office/powerpoint/2010/main" val="2366034368"/>
-      </p:ext>
-    </p:extLst>
   </p:cSld>
   <p:clrMapOvr>
     <a:masterClrMapping/>
@@ -5058,8 +4884,8 @@
                 <a:solidFill>
                   <a:schemeClr val="bg1"/>
                 </a:solidFill>
-                <a:latin typeface="Microsoft YaHei" panose="020B0503020204020204" pitchFamily="34" charset="-122"/>
-                <a:ea typeface="Microsoft YaHei" panose="020B0503020204020204" pitchFamily="34" charset="-122"/>
+                <a:latin typeface="微软雅黑" panose="020B0503020204020204" pitchFamily="34" charset="-122"/>
+                <a:ea typeface="微软雅黑" panose="020B0503020204020204" pitchFamily="34" charset="-122"/>
               </a:rPr>
               <a:t>管理房源页设计（续）</a:t>
             </a:r>
@@ -5067,28 +4893,22 @@
               <a:solidFill>
                 <a:schemeClr val="bg1"/>
               </a:solidFill>
-              <a:latin typeface="Microsoft YaHei" panose="020B0503020204020204" pitchFamily="34" charset="-122"/>
-              <a:ea typeface="Microsoft YaHei" panose="020B0503020204020204" pitchFamily="34" charset="-122"/>
+              <a:latin typeface="微软雅黑" panose="020B0503020204020204" pitchFamily="34" charset="-122"/>
+              <a:ea typeface="微软雅黑" panose="020B0503020204020204" pitchFamily="34" charset="-122"/>
             </a:endParaRPr>
           </a:p>
         </p:txBody>
       </p:sp>
       <p:pic>
         <p:nvPicPr>
-          <p:cNvPr id="2" name="图片 1">
-            <a:extLst>
-              <a:ext uri="{FF2B5EF4-FFF2-40B4-BE49-F238E27FC236}">
-                <a16:creationId xmlns:a16="http://schemas.microsoft.com/office/drawing/2014/main" id="{EF0BE1DE-1024-43C2-BBB6-7CB14843C187}"/>
-              </a:ext>
-            </a:extLst>
-          </p:cNvPr>
+          <p:cNvPr id="2" name="图片 1"/>
           <p:cNvPicPr>
             <a:picLocks noChangeAspect="1"/>
           </p:cNvPicPr>
           <p:nvPr/>
         </p:nvPicPr>
         <p:blipFill>
-          <a:blip r:embed="rId3"/>
+          <a:blip r:embed="rId1"/>
           <a:stretch>
             <a:fillRect/>
           </a:stretch>
@@ -5105,20 +4925,14 @@
       </p:pic>
       <p:pic>
         <p:nvPicPr>
-          <p:cNvPr id="4" name="图片 3">
-            <a:extLst>
-              <a:ext uri="{FF2B5EF4-FFF2-40B4-BE49-F238E27FC236}">
-                <a16:creationId xmlns:a16="http://schemas.microsoft.com/office/drawing/2014/main" id="{1E6F15D4-9BBF-4E62-B9FC-16C347D7EE4E}"/>
-              </a:ext>
-            </a:extLst>
-          </p:cNvPr>
+          <p:cNvPr id="4" name="图片 3"/>
           <p:cNvPicPr>
             <a:picLocks noChangeAspect="1"/>
           </p:cNvPicPr>
           <p:nvPr/>
         </p:nvPicPr>
         <p:blipFill>
-          <a:blip r:embed="rId4"/>
+          <a:blip r:embed="rId2"/>
           <a:stretch>
             <a:fillRect/>
           </a:stretch>
@@ -5135,13 +4949,7 @@
       </p:pic>
       <p:sp>
         <p:nvSpPr>
-          <p:cNvPr id="10" name="TextBox 6">
-            <a:extLst>
-              <a:ext uri="{FF2B5EF4-FFF2-40B4-BE49-F238E27FC236}">
-                <a16:creationId xmlns:a16="http://schemas.microsoft.com/office/drawing/2014/main" id="{6D1204C7-CCCB-4F8C-A456-E3795D37D2D0}"/>
-              </a:ext>
-            </a:extLst>
-          </p:cNvPr>
+          <p:cNvPr id="10" name="TextBox 6"/>
           <p:cNvSpPr txBox="1"/>
           <p:nvPr/>
         </p:nvSpPr>
@@ -5166,8 +4974,8 @@
                 <a:solidFill>
                   <a:schemeClr val="bg1"/>
                 </a:solidFill>
-                <a:latin typeface="Microsoft YaHei" panose="020B0503020204020204" pitchFamily="34" charset="-122"/>
-                <a:ea typeface="Microsoft YaHei" panose="020B0503020204020204" pitchFamily="34" charset="-122"/>
+                <a:latin typeface="微软雅黑" panose="020B0503020204020204" pitchFamily="34" charset="-122"/>
+                <a:ea typeface="微软雅黑" panose="020B0503020204020204" pitchFamily="34" charset="-122"/>
               </a:rPr>
               <a:t>管理员点击一个具体房源后，加载该房源的信息，供管理员修改</a:t>
             </a:r>
@@ -5175,18 +4983,13 @@
               <a:solidFill>
                 <a:schemeClr val="bg1"/>
               </a:solidFill>
-              <a:latin typeface="Microsoft YaHei" panose="020B0503020204020204" pitchFamily="34" charset="-122"/>
-              <a:ea typeface="Microsoft YaHei" panose="020B0503020204020204" pitchFamily="34" charset="-122"/>
+              <a:latin typeface="微软雅黑" panose="020B0503020204020204" pitchFamily="34" charset="-122"/>
+              <a:ea typeface="微软雅黑" panose="020B0503020204020204" pitchFamily="34" charset="-122"/>
             </a:endParaRPr>
           </a:p>
         </p:txBody>
       </p:sp>
     </p:spTree>
-    <p:extLst>
-      <p:ext uri="{BB962C8B-B14F-4D97-AF65-F5344CB8AC3E}">
-        <p14:creationId xmlns:p14="http://schemas.microsoft.com/office/powerpoint/2010/main" val="543494814"/>
-      </p:ext>
-    </p:extLst>
   </p:cSld>
   <p:clrMapOvr>
     <a:masterClrMapping/>
@@ -5248,8 +5051,8 @@
                 <a:solidFill>
                   <a:schemeClr val="bg1"/>
                 </a:solidFill>
-                <a:latin typeface="Microsoft YaHei" panose="020B0503020204020204" pitchFamily="34" charset="-122"/>
-                <a:ea typeface="Microsoft YaHei" panose="020B0503020204020204" pitchFamily="34" charset="-122"/>
+                <a:latin typeface="微软雅黑" panose="020B0503020204020204" pitchFamily="34" charset="-122"/>
+                <a:ea typeface="微软雅黑" panose="020B0503020204020204" pitchFamily="34" charset="-122"/>
               </a:rPr>
               <a:t>买房页设计</a:t>
             </a:r>
@@ -5257,28 +5060,22 @@
               <a:solidFill>
                 <a:schemeClr val="bg1"/>
               </a:solidFill>
-              <a:latin typeface="Microsoft YaHei" panose="020B0503020204020204" pitchFamily="34" charset="-122"/>
-              <a:ea typeface="Microsoft YaHei" panose="020B0503020204020204" pitchFamily="34" charset="-122"/>
+              <a:latin typeface="微软雅黑" panose="020B0503020204020204" pitchFamily="34" charset="-122"/>
+              <a:ea typeface="微软雅黑" panose="020B0503020204020204" pitchFamily="34" charset="-122"/>
             </a:endParaRPr>
           </a:p>
         </p:txBody>
       </p:sp>
       <p:pic>
         <p:nvPicPr>
-          <p:cNvPr id="2" name="图片 1">
-            <a:extLst>
-              <a:ext uri="{FF2B5EF4-FFF2-40B4-BE49-F238E27FC236}">
-                <a16:creationId xmlns:a16="http://schemas.microsoft.com/office/drawing/2014/main" id="{70948727-E03E-4B0C-B277-348AF120F70E}"/>
-              </a:ext>
-            </a:extLst>
-          </p:cNvPr>
+          <p:cNvPr id="2" name="图片 1"/>
           <p:cNvPicPr>
             <a:picLocks noChangeAspect="1"/>
           </p:cNvPicPr>
           <p:nvPr/>
         </p:nvPicPr>
         <p:blipFill>
-          <a:blip r:embed="rId3"/>
+          <a:blip r:embed="rId1"/>
           <a:stretch>
             <a:fillRect/>
           </a:stretch>
@@ -5295,13 +5092,7 @@
       </p:pic>
       <p:sp>
         <p:nvSpPr>
-          <p:cNvPr id="10" name="TextBox 6">
-            <a:extLst>
-              <a:ext uri="{FF2B5EF4-FFF2-40B4-BE49-F238E27FC236}">
-                <a16:creationId xmlns:a16="http://schemas.microsoft.com/office/drawing/2014/main" id="{80FA027D-2B1B-47FD-9D1E-C3F96B56FB7A}"/>
-              </a:ext>
-            </a:extLst>
-          </p:cNvPr>
+          <p:cNvPr id="10" name="TextBox 6"/>
           <p:cNvSpPr txBox="1"/>
           <p:nvPr/>
         </p:nvSpPr>
@@ -5326,8 +5117,8 @@
                 <a:solidFill>
                   <a:schemeClr val="bg1"/>
                 </a:solidFill>
-                <a:latin typeface="Microsoft YaHei" panose="020B0503020204020204" pitchFamily="34" charset="-122"/>
-                <a:ea typeface="Microsoft YaHei" panose="020B0503020204020204" pitchFamily="34" charset="-122"/>
+                <a:latin typeface="微软雅黑" panose="020B0503020204020204" pitchFamily="34" charset="-122"/>
+                <a:ea typeface="微软雅黑" panose="020B0503020204020204" pitchFamily="34" charset="-122"/>
               </a:rPr>
               <a:t>通过点击下方导航栏的买房按钮，跳转到买房页。</a:t>
             </a:r>
@@ -5335,8 +5126,8 @@
               <a:solidFill>
                 <a:schemeClr val="bg1"/>
               </a:solidFill>
-              <a:latin typeface="Microsoft YaHei" panose="020B0503020204020204" pitchFamily="34" charset="-122"/>
-              <a:ea typeface="Microsoft YaHei" panose="020B0503020204020204" pitchFamily="34" charset="-122"/>
+              <a:latin typeface="微软雅黑" panose="020B0503020204020204" pitchFamily="34" charset="-122"/>
+              <a:ea typeface="微软雅黑" panose="020B0503020204020204" pitchFamily="34" charset="-122"/>
             </a:endParaRPr>
           </a:p>
           <a:p>
@@ -5345,8 +5136,8 @@
                 <a:solidFill>
                   <a:schemeClr val="bg1"/>
                 </a:solidFill>
-                <a:latin typeface="Microsoft YaHei" panose="020B0503020204020204" pitchFamily="34" charset="-122"/>
-                <a:ea typeface="Microsoft YaHei" panose="020B0503020204020204" pitchFamily="34" charset="-122"/>
+                <a:latin typeface="微软雅黑" panose="020B0503020204020204" pitchFamily="34" charset="-122"/>
+                <a:ea typeface="微软雅黑" panose="020B0503020204020204" pitchFamily="34" charset="-122"/>
               </a:rPr>
               <a:t>首页可以通过“区域”“总价”“户型”进行筛选</a:t>
             </a:r>
@@ -5354,8 +5145,8 @@
               <a:solidFill>
                 <a:schemeClr val="bg1"/>
               </a:solidFill>
-              <a:latin typeface="Microsoft YaHei" panose="020B0503020204020204" pitchFamily="34" charset="-122"/>
-              <a:ea typeface="Microsoft YaHei" panose="020B0503020204020204" pitchFamily="34" charset="-122"/>
+              <a:latin typeface="微软雅黑" panose="020B0503020204020204" pitchFamily="34" charset="-122"/>
+              <a:ea typeface="微软雅黑" panose="020B0503020204020204" pitchFamily="34" charset="-122"/>
             </a:endParaRPr>
           </a:p>
           <a:p>
@@ -5364,8 +5155,8 @@
                 <a:solidFill>
                   <a:schemeClr val="bg1"/>
                 </a:solidFill>
-                <a:latin typeface="Microsoft YaHei" panose="020B0503020204020204" pitchFamily="34" charset="-122"/>
-                <a:ea typeface="Microsoft YaHei" panose="020B0503020204020204" pitchFamily="34" charset="-122"/>
+                <a:latin typeface="微软雅黑" panose="020B0503020204020204" pitchFamily="34" charset="-122"/>
+                <a:ea typeface="微软雅黑" panose="020B0503020204020204" pitchFamily="34" charset="-122"/>
               </a:rPr>
               <a:t>选择“更多”，可以根据“装修情况”“户型”进行筛选</a:t>
             </a:r>
@@ -5373,8 +5164,8 @@
               <a:solidFill>
                 <a:schemeClr val="bg1"/>
               </a:solidFill>
-              <a:latin typeface="Microsoft YaHei" panose="020B0503020204020204" pitchFamily="34" charset="-122"/>
-              <a:ea typeface="Microsoft YaHei" panose="020B0503020204020204" pitchFamily="34" charset="-122"/>
+              <a:latin typeface="微软雅黑" panose="020B0503020204020204" pitchFamily="34" charset="-122"/>
+              <a:ea typeface="微软雅黑" panose="020B0503020204020204" pitchFamily="34" charset="-122"/>
             </a:endParaRPr>
           </a:p>
           <a:p>
@@ -5382,8 +5173,8 @@
               <a:solidFill>
                 <a:schemeClr val="bg1"/>
               </a:solidFill>
-              <a:latin typeface="Microsoft YaHei" panose="020B0503020204020204" pitchFamily="34" charset="-122"/>
-              <a:ea typeface="Microsoft YaHei" panose="020B0503020204020204" pitchFamily="34" charset="-122"/>
+              <a:latin typeface="微软雅黑" panose="020B0503020204020204" pitchFamily="34" charset="-122"/>
+              <a:ea typeface="微软雅黑" panose="020B0503020204020204" pitchFamily="34" charset="-122"/>
             </a:endParaRPr>
           </a:p>
           <a:p>
@@ -5392,8 +5183,8 @@
                 <a:solidFill>
                   <a:schemeClr val="bg1"/>
                 </a:solidFill>
-                <a:latin typeface="Microsoft YaHei" panose="020B0503020204020204" pitchFamily="34" charset="-122"/>
-                <a:ea typeface="Microsoft YaHei" panose="020B0503020204020204" pitchFamily="34" charset="-122"/>
+                <a:latin typeface="微软雅黑" panose="020B0503020204020204" pitchFamily="34" charset="-122"/>
+                <a:ea typeface="微软雅黑" panose="020B0503020204020204" pitchFamily="34" charset="-122"/>
               </a:rPr>
               <a:t>具体筛选项，见</a:t>
             </a:r>
@@ -5402,8 +5193,8 @@
                 <a:solidFill>
                   <a:schemeClr val="bg1"/>
                 </a:solidFill>
-                <a:latin typeface="Microsoft YaHei" panose="020B0503020204020204" pitchFamily="34" charset="-122"/>
-                <a:ea typeface="Microsoft YaHei" panose="020B0503020204020204" pitchFamily="34" charset="-122"/>
+                <a:latin typeface="微软雅黑" panose="020B0503020204020204" pitchFamily="34" charset="-122"/>
+                <a:ea typeface="微软雅黑" panose="020B0503020204020204" pitchFamily="34" charset="-122"/>
               </a:rPr>
               <a:t>《</a:t>
             </a:r>
@@ -5412,8 +5203,8 @@
                 <a:solidFill>
                   <a:schemeClr val="bg1"/>
                 </a:solidFill>
-                <a:latin typeface="Microsoft YaHei" panose="020B0503020204020204" pitchFamily="34" charset="-122"/>
-                <a:ea typeface="Microsoft YaHei" panose="020B0503020204020204" pitchFamily="34" charset="-122"/>
+                <a:latin typeface="微软雅黑" panose="020B0503020204020204" pitchFamily="34" charset="-122"/>
+                <a:ea typeface="微软雅黑" panose="020B0503020204020204" pitchFamily="34" charset="-122"/>
               </a:rPr>
               <a:t>数据库设计</a:t>
             </a:r>
@@ -5422,8 +5213,8 @@
                 <a:solidFill>
                   <a:schemeClr val="bg1"/>
                 </a:solidFill>
-                <a:latin typeface="Microsoft YaHei" panose="020B0503020204020204" pitchFamily="34" charset="-122"/>
-                <a:ea typeface="Microsoft YaHei" panose="020B0503020204020204" pitchFamily="34" charset="-122"/>
+                <a:latin typeface="微软雅黑" panose="020B0503020204020204" pitchFamily="34" charset="-122"/>
+                <a:ea typeface="微软雅黑" panose="020B0503020204020204" pitchFamily="34" charset="-122"/>
               </a:rPr>
               <a:t>》</a:t>
             </a:r>
@@ -5431,18 +5222,13 @@
               <a:solidFill>
                 <a:schemeClr val="bg1"/>
               </a:solidFill>
-              <a:latin typeface="Microsoft YaHei" panose="020B0503020204020204" pitchFamily="34" charset="-122"/>
-              <a:ea typeface="Microsoft YaHei" panose="020B0503020204020204" pitchFamily="34" charset="-122"/>
+              <a:latin typeface="微软雅黑" panose="020B0503020204020204" pitchFamily="34" charset="-122"/>
+              <a:ea typeface="微软雅黑" panose="020B0503020204020204" pitchFamily="34" charset="-122"/>
             </a:endParaRPr>
           </a:p>
         </p:txBody>
       </p:sp>
     </p:spTree>
-    <p:extLst>
-      <p:ext uri="{BB962C8B-B14F-4D97-AF65-F5344CB8AC3E}">
-        <p14:creationId xmlns:p14="http://schemas.microsoft.com/office/powerpoint/2010/main" val="1995061132"/>
-      </p:ext>
-    </p:extLst>
   </p:cSld>
   <p:clrMapOvr>
     <a:masterClrMapping/>
@@ -5504,8 +5290,8 @@
                 <a:solidFill>
                   <a:schemeClr val="bg1"/>
                 </a:solidFill>
-                <a:latin typeface="Microsoft YaHei" panose="020B0503020204020204" pitchFamily="34" charset="-122"/>
-                <a:ea typeface="Microsoft YaHei" panose="020B0503020204020204" pitchFamily="34" charset="-122"/>
+                <a:latin typeface="微软雅黑" panose="020B0503020204020204" pitchFamily="34" charset="-122"/>
+                <a:ea typeface="微软雅黑" panose="020B0503020204020204" pitchFamily="34" charset="-122"/>
               </a:rPr>
               <a:t>买房详情页设计</a:t>
             </a:r>
@@ -5513,28 +5299,22 @@
               <a:solidFill>
                 <a:schemeClr val="bg1"/>
               </a:solidFill>
-              <a:latin typeface="Microsoft YaHei" panose="020B0503020204020204" pitchFamily="34" charset="-122"/>
-              <a:ea typeface="Microsoft YaHei" panose="020B0503020204020204" pitchFamily="34" charset="-122"/>
+              <a:latin typeface="微软雅黑" panose="020B0503020204020204" pitchFamily="34" charset="-122"/>
+              <a:ea typeface="微软雅黑" panose="020B0503020204020204" pitchFamily="34" charset="-122"/>
             </a:endParaRPr>
           </a:p>
         </p:txBody>
       </p:sp>
       <p:pic>
         <p:nvPicPr>
-          <p:cNvPr id="2" name="图片 1">
-            <a:extLst>
-              <a:ext uri="{FF2B5EF4-FFF2-40B4-BE49-F238E27FC236}">
-                <a16:creationId xmlns:a16="http://schemas.microsoft.com/office/drawing/2014/main" id="{9CD6F32E-8885-4A99-85D9-F8BF4F36AACD}"/>
-              </a:ext>
-            </a:extLst>
-          </p:cNvPr>
+          <p:cNvPr id="2" name="图片 1"/>
           <p:cNvPicPr>
             <a:picLocks noChangeAspect="1"/>
           </p:cNvPicPr>
           <p:nvPr/>
         </p:nvPicPr>
         <p:blipFill>
-          <a:blip r:embed="rId3"/>
+          <a:blip r:embed="rId1"/>
           <a:stretch>
             <a:fillRect/>
           </a:stretch>
@@ -5551,20 +5331,14 @@
       </p:pic>
       <p:pic>
         <p:nvPicPr>
-          <p:cNvPr id="4" name="图片 3">
-            <a:extLst>
-              <a:ext uri="{FF2B5EF4-FFF2-40B4-BE49-F238E27FC236}">
-                <a16:creationId xmlns:a16="http://schemas.microsoft.com/office/drawing/2014/main" id="{4ED402A5-9C94-4996-804C-EDF2465EF39B}"/>
-              </a:ext>
-            </a:extLst>
-          </p:cNvPr>
+          <p:cNvPr id="4" name="图片 3"/>
           <p:cNvPicPr>
             <a:picLocks noChangeAspect="1"/>
           </p:cNvPicPr>
           <p:nvPr/>
         </p:nvPicPr>
         <p:blipFill>
-          <a:blip r:embed="rId4"/>
+          <a:blip r:embed="rId2"/>
           <a:stretch>
             <a:fillRect/>
           </a:stretch>
@@ -5581,13 +5355,7 @@
       </p:pic>
       <p:sp>
         <p:nvSpPr>
-          <p:cNvPr id="10" name="TextBox 6">
-            <a:extLst>
-              <a:ext uri="{FF2B5EF4-FFF2-40B4-BE49-F238E27FC236}">
-                <a16:creationId xmlns:a16="http://schemas.microsoft.com/office/drawing/2014/main" id="{A65D469F-FE8F-4284-82BD-827CDB5BEE94}"/>
-              </a:ext>
-            </a:extLst>
-          </p:cNvPr>
+          <p:cNvPr id="10" name="TextBox 6"/>
           <p:cNvSpPr txBox="1"/>
           <p:nvPr/>
         </p:nvSpPr>
@@ -5612,8 +5380,8 @@
                 <a:solidFill>
                   <a:schemeClr val="bg1"/>
                 </a:solidFill>
-                <a:latin typeface="Microsoft YaHei" panose="020B0503020204020204" pitchFamily="34" charset="-122"/>
-                <a:ea typeface="Microsoft YaHei" panose="020B0503020204020204" pitchFamily="34" charset="-122"/>
+                <a:latin typeface="微软雅黑" panose="020B0503020204020204" pitchFamily="34" charset="-122"/>
+                <a:ea typeface="微软雅黑" panose="020B0503020204020204" pitchFamily="34" charset="-122"/>
               </a:rPr>
               <a:t>点击房源相册，可以进入图片浏览模式。</a:t>
             </a:r>
@@ -5621,8 +5389,8 @@
               <a:solidFill>
                 <a:schemeClr val="bg1"/>
               </a:solidFill>
-              <a:latin typeface="Microsoft YaHei" panose="020B0503020204020204" pitchFamily="34" charset="-122"/>
-              <a:ea typeface="Microsoft YaHei" panose="020B0503020204020204" pitchFamily="34" charset="-122"/>
+              <a:latin typeface="微软雅黑" panose="020B0503020204020204" pitchFamily="34" charset="-122"/>
+              <a:ea typeface="微软雅黑" panose="020B0503020204020204" pitchFamily="34" charset="-122"/>
             </a:endParaRPr>
           </a:p>
           <a:p>
@@ -5630,8 +5398,8 @@
               <a:solidFill>
                 <a:schemeClr val="bg1"/>
               </a:solidFill>
-              <a:latin typeface="Microsoft YaHei" panose="020B0503020204020204" pitchFamily="34" charset="-122"/>
-              <a:ea typeface="Microsoft YaHei" panose="020B0503020204020204" pitchFamily="34" charset="-122"/>
+              <a:latin typeface="微软雅黑" panose="020B0503020204020204" pitchFamily="34" charset="-122"/>
+              <a:ea typeface="微软雅黑" panose="020B0503020204020204" pitchFamily="34" charset="-122"/>
             </a:endParaRPr>
           </a:p>
           <a:p>
@@ -5640,8 +5408,8 @@
                 <a:solidFill>
                   <a:schemeClr val="bg1"/>
                 </a:solidFill>
-                <a:latin typeface="Microsoft YaHei" panose="020B0503020204020204" pitchFamily="34" charset="-122"/>
-                <a:ea typeface="Microsoft YaHei" panose="020B0503020204020204" pitchFamily="34" charset="-122"/>
+                <a:latin typeface="微软雅黑" panose="020B0503020204020204" pitchFamily="34" charset="-122"/>
+                <a:ea typeface="微软雅黑" panose="020B0503020204020204" pitchFamily="34" charset="-122"/>
               </a:rPr>
               <a:t>点击电话咨询，可以呼出拨号盘</a:t>
             </a:r>
@@ -5649,18 +5417,13 @@
               <a:solidFill>
                 <a:schemeClr val="bg1"/>
               </a:solidFill>
-              <a:latin typeface="Microsoft YaHei" panose="020B0503020204020204" pitchFamily="34" charset="-122"/>
-              <a:ea typeface="Microsoft YaHei" panose="020B0503020204020204" pitchFamily="34" charset="-122"/>
+              <a:latin typeface="微软雅黑" panose="020B0503020204020204" pitchFamily="34" charset="-122"/>
+              <a:ea typeface="微软雅黑" panose="020B0503020204020204" pitchFamily="34" charset="-122"/>
             </a:endParaRPr>
           </a:p>
         </p:txBody>
       </p:sp>
     </p:spTree>
-    <p:extLst>
-      <p:ext uri="{BB962C8B-B14F-4D97-AF65-F5344CB8AC3E}">
-        <p14:creationId xmlns:p14="http://schemas.microsoft.com/office/powerpoint/2010/main" val="4072608264"/>
-      </p:ext>
-    </p:extLst>
   </p:cSld>
   <p:clrMapOvr>
     <a:masterClrMapping/>
@@ -5722,8 +5485,8 @@
                 <a:solidFill>
                   <a:schemeClr val="bg1"/>
                 </a:solidFill>
-                <a:latin typeface="Microsoft YaHei" panose="020B0503020204020204" pitchFamily="34" charset="-122"/>
-                <a:ea typeface="Microsoft YaHei" panose="020B0503020204020204" pitchFamily="34" charset="-122"/>
+                <a:latin typeface="微软雅黑" panose="020B0503020204020204" pitchFamily="34" charset="-122"/>
+                <a:ea typeface="微软雅黑" panose="020B0503020204020204" pitchFamily="34" charset="-122"/>
               </a:rPr>
               <a:t>出租页设计</a:t>
             </a:r>
@@ -5731,21 +5494,15 @@
               <a:solidFill>
                 <a:schemeClr val="bg1"/>
               </a:solidFill>
-              <a:latin typeface="Microsoft YaHei" panose="020B0503020204020204" pitchFamily="34" charset="-122"/>
-              <a:ea typeface="Microsoft YaHei" panose="020B0503020204020204" pitchFamily="34" charset="-122"/>
+              <a:latin typeface="微软雅黑" panose="020B0503020204020204" pitchFamily="34" charset="-122"/>
+              <a:ea typeface="微软雅黑" panose="020B0503020204020204" pitchFamily="34" charset="-122"/>
             </a:endParaRPr>
           </a:p>
         </p:txBody>
       </p:sp>
       <p:sp>
         <p:nvSpPr>
-          <p:cNvPr id="10" name="TextBox 6">
-            <a:extLst>
-              <a:ext uri="{FF2B5EF4-FFF2-40B4-BE49-F238E27FC236}">
-                <a16:creationId xmlns:a16="http://schemas.microsoft.com/office/drawing/2014/main" id="{FE7CAEEF-151B-47B1-B1A5-B554CE6F157F}"/>
-              </a:ext>
-            </a:extLst>
-          </p:cNvPr>
+          <p:cNvPr id="10" name="TextBox 6"/>
           <p:cNvSpPr txBox="1"/>
           <p:nvPr/>
         </p:nvSpPr>
@@ -5770,8 +5527,8 @@
                 <a:solidFill>
                   <a:schemeClr val="bg1"/>
                 </a:solidFill>
-                <a:latin typeface="Microsoft YaHei" panose="020B0503020204020204" pitchFamily="34" charset="-122"/>
-                <a:ea typeface="Microsoft YaHei" panose="020B0503020204020204" pitchFamily="34" charset="-122"/>
+                <a:latin typeface="微软雅黑" panose="020B0503020204020204" pitchFamily="34" charset="-122"/>
+                <a:ea typeface="微软雅黑" panose="020B0503020204020204" pitchFamily="34" charset="-122"/>
               </a:rPr>
               <a:t>通过点击下方导航栏的租房按钮，跳转到租房页。</a:t>
             </a:r>
@@ -5779,8 +5536,8 @@
               <a:solidFill>
                 <a:schemeClr val="bg1"/>
               </a:solidFill>
-              <a:latin typeface="Microsoft YaHei" panose="020B0503020204020204" pitchFamily="34" charset="-122"/>
-              <a:ea typeface="Microsoft YaHei" panose="020B0503020204020204" pitchFamily="34" charset="-122"/>
+              <a:latin typeface="微软雅黑" panose="020B0503020204020204" pitchFamily="34" charset="-122"/>
+              <a:ea typeface="微软雅黑" panose="020B0503020204020204" pitchFamily="34" charset="-122"/>
             </a:endParaRPr>
           </a:p>
           <a:p>
@@ -5789,8 +5546,8 @@
                 <a:solidFill>
                   <a:schemeClr val="bg1"/>
                 </a:solidFill>
-                <a:latin typeface="Microsoft YaHei" panose="020B0503020204020204" pitchFamily="34" charset="-122"/>
-                <a:ea typeface="Microsoft YaHei" panose="020B0503020204020204" pitchFamily="34" charset="-122"/>
+                <a:latin typeface="微软雅黑" panose="020B0503020204020204" pitchFamily="34" charset="-122"/>
+                <a:ea typeface="微软雅黑" panose="020B0503020204020204" pitchFamily="34" charset="-122"/>
               </a:rPr>
               <a:t>首页可以通过“区域”“租金”“户型”进行筛选</a:t>
             </a:r>
@@ -5798,8 +5555,8 @@
               <a:solidFill>
                 <a:schemeClr val="bg1"/>
               </a:solidFill>
-              <a:latin typeface="Microsoft YaHei" panose="020B0503020204020204" pitchFamily="34" charset="-122"/>
-              <a:ea typeface="Microsoft YaHei" panose="020B0503020204020204" pitchFamily="34" charset="-122"/>
+              <a:latin typeface="微软雅黑" panose="020B0503020204020204" pitchFamily="34" charset="-122"/>
+              <a:ea typeface="微软雅黑" panose="020B0503020204020204" pitchFamily="34" charset="-122"/>
             </a:endParaRPr>
           </a:p>
           <a:p>
@@ -5808,8 +5565,8 @@
                 <a:solidFill>
                   <a:schemeClr val="bg1"/>
                 </a:solidFill>
-                <a:latin typeface="Microsoft YaHei" panose="020B0503020204020204" pitchFamily="34" charset="-122"/>
-                <a:ea typeface="Microsoft YaHei" panose="020B0503020204020204" pitchFamily="34" charset="-122"/>
+                <a:latin typeface="微软雅黑" panose="020B0503020204020204" pitchFamily="34" charset="-122"/>
+                <a:ea typeface="微软雅黑" panose="020B0503020204020204" pitchFamily="34" charset="-122"/>
               </a:rPr>
               <a:t>选择“更多”，可以根据“装修情况”“朝向”进行筛选</a:t>
             </a:r>
@@ -5817,8 +5574,8 @@
               <a:solidFill>
                 <a:schemeClr val="bg1"/>
               </a:solidFill>
-              <a:latin typeface="Microsoft YaHei" panose="020B0503020204020204" pitchFamily="34" charset="-122"/>
-              <a:ea typeface="Microsoft YaHei" panose="020B0503020204020204" pitchFamily="34" charset="-122"/>
+              <a:latin typeface="微软雅黑" panose="020B0503020204020204" pitchFamily="34" charset="-122"/>
+              <a:ea typeface="微软雅黑" panose="020B0503020204020204" pitchFamily="34" charset="-122"/>
             </a:endParaRPr>
           </a:p>
           <a:p>
@@ -5826,8 +5583,8 @@
               <a:solidFill>
                 <a:schemeClr val="bg1"/>
               </a:solidFill>
-              <a:latin typeface="Microsoft YaHei" panose="020B0503020204020204" pitchFamily="34" charset="-122"/>
-              <a:ea typeface="Microsoft YaHei" panose="020B0503020204020204" pitchFamily="34" charset="-122"/>
+              <a:latin typeface="微软雅黑" panose="020B0503020204020204" pitchFamily="34" charset="-122"/>
+              <a:ea typeface="微软雅黑" panose="020B0503020204020204" pitchFamily="34" charset="-122"/>
             </a:endParaRPr>
           </a:p>
           <a:p>
@@ -5836,8 +5593,8 @@
                 <a:solidFill>
                   <a:schemeClr val="bg1"/>
                 </a:solidFill>
-                <a:latin typeface="Microsoft YaHei" panose="020B0503020204020204" pitchFamily="34" charset="-122"/>
-                <a:ea typeface="Microsoft YaHei" panose="020B0503020204020204" pitchFamily="34" charset="-122"/>
+                <a:latin typeface="微软雅黑" panose="020B0503020204020204" pitchFamily="34" charset="-122"/>
+                <a:ea typeface="微软雅黑" panose="020B0503020204020204" pitchFamily="34" charset="-122"/>
               </a:rPr>
               <a:t>具体筛选项，见</a:t>
             </a:r>
@@ -5846,8 +5603,8 @@
                 <a:solidFill>
                   <a:schemeClr val="bg1"/>
                 </a:solidFill>
-                <a:latin typeface="Microsoft YaHei" panose="020B0503020204020204" pitchFamily="34" charset="-122"/>
-                <a:ea typeface="Microsoft YaHei" panose="020B0503020204020204" pitchFamily="34" charset="-122"/>
+                <a:latin typeface="微软雅黑" panose="020B0503020204020204" pitchFamily="34" charset="-122"/>
+                <a:ea typeface="微软雅黑" panose="020B0503020204020204" pitchFamily="34" charset="-122"/>
               </a:rPr>
               <a:t>《</a:t>
             </a:r>
@@ -5856,8 +5613,8 @@
                 <a:solidFill>
                   <a:schemeClr val="bg1"/>
                 </a:solidFill>
-                <a:latin typeface="Microsoft YaHei" panose="020B0503020204020204" pitchFamily="34" charset="-122"/>
-                <a:ea typeface="Microsoft YaHei" panose="020B0503020204020204" pitchFamily="34" charset="-122"/>
+                <a:latin typeface="微软雅黑" panose="020B0503020204020204" pitchFamily="34" charset="-122"/>
+                <a:ea typeface="微软雅黑" panose="020B0503020204020204" pitchFamily="34" charset="-122"/>
               </a:rPr>
               <a:t>数据库设计</a:t>
             </a:r>
@@ -5866,8 +5623,8 @@
                 <a:solidFill>
                   <a:schemeClr val="bg1"/>
                 </a:solidFill>
-                <a:latin typeface="Microsoft YaHei" panose="020B0503020204020204" pitchFamily="34" charset="-122"/>
-                <a:ea typeface="Microsoft YaHei" panose="020B0503020204020204" pitchFamily="34" charset="-122"/>
+                <a:latin typeface="微软雅黑" panose="020B0503020204020204" pitchFamily="34" charset="-122"/>
+                <a:ea typeface="微软雅黑" panose="020B0503020204020204" pitchFamily="34" charset="-122"/>
               </a:rPr>
               <a:t>》</a:t>
             </a:r>
@@ -5875,28 +5632,22 @@
               <a:solidFill>
                 <a:schemeClr val="bg1"/>
               </a:solidFill>
-              <a:latin typeface="Microsoft YaHei" panose="020B0503020204020204" pitchFamily="34" charset="-122"/>
-              <a:ea typeface="Microsoft YaHei" panose="020B0503020204020204" pitchFamily="34" charset="-122"/>
+              <a:latin typeface="微软雅黑" panose="020B0503020204020204" pitchFamily="34" charset="-122"/>
+              <a:ea typeface="微软雅黑" panose="020B0503020204020204" pitchFamily="34" charset="-122"/>
             </a:endParaRPr>
           </a:p>
         </p:txBody>
       </p:sp>
       <p:pic>
         <p:nvPicPr>
-          <p:cNvPr id="4" name="图片 3">
-            <a:extLst>
-              <a:ext uri="{FF2B5EF4-FFF2-40B4-BE49-F238E27FC236}">
-                <a16:creationId xmlns:a16="http://schemas.microsoft.com/office/drawing/2014/main" id="{FA3FBBB7-75F3-45A1-A017-79667252F57B}"/>
-              </a:ext>
-            </a:extLst>
-          </p:cNvPr>
+          <p:cNvPr id="4" name="图片 3"/>
           <p:cNvPicPr>
             <a:picLocks noChangeAspect="1"/>
           </p:cNvPicPr>
           <p:nvPr/>
         </p:nvPicPr>
         <p:blipFill>
-          <a:blip r:embed="rId3"/>
+          <a:blip r:embed="rId1"/>
           <a:stretch>
             <a:fillRect/>
           </a:stretch>
@@ -5912,11 +5663,6 @@
         </p:spPr>
       </p:pic>
     </p:spTree>
-    <p:extLst>
-      <p:ext uri="{BB962C8B-B14F-4D97-AF65-F5344CB8AC3E}">
-        <p14:creationId xmlns:p14="http://schemas.microsoft.com/office/powerpoint/2010/main" val="215883179"/>
-      </p:ext>
-    </p:extLst>
   </p:cSld>
   <p:clrMapOvr>
     <a:masterClrMapping/>
@@ -5978,8 +5724,8 @@
                 <a:solidFill>
                   <a:schemeClr val="bg1"/>
                 </a:solidFill>
-                <a:latin typeface="Microsoft YaHei" panose="020B0503020204020204" pitchFamily="34" charset="-122"/>
-                <a:ea typeface="Microsoft YaHei" panose="020B0503020204020204" pitchFamily="34" charset="-122"/>
+                <a:latin typeface="微软雅黑" panose="020B0503020204020204" pitchFamily="34" charset="-122"/>
+                <a:ea typeface="微软雅黑" panose="020B0503020204020204" pitchFamily="34" charset="-122"/>
               </a:rPr>
               <a:t>租房详情页设计</a:t>
             </a:r>
@@ -5987,28 +5733,22 @@
               <a:solidFill>
                 <a:schemeClr val="bg1"/>
               </a:solidFill>
-              <a:latin typeface="Microsoft YaHei" panose="020B0503020204020204" pitchFamily="34" charset="-122"/>
-              <a:ea typeface="Microsoft YaHei" panose="020B0503020204020204" pitchFamily="34" charset="-122"/>
+              <a:latin typeface="微软雅黑" panose="020B0503020204020204" pitchFamily="34" charset="-122"/>
+              <a:ea typeface="微软雅黑" panose="020B0503020204020204" pitchFamily="34" charset="-122"/>
             </a:endParaRPr>
           </a:p>
         </p:txBody>
       </p:sp>
       <p:pic>
         <p:nvPicPr>
-          <p:cNvPr id="2" name="图片 1">
-            <a:extLst>
-              <a:ext uri="{FF2B5EF4-FFF2-40B4-BE49-F238E27FC236}">
-                <a16:creationId xmlns:a16="http://schemas.microsoft.com/office/drawing/2014/main" id="{82229187-6B7E-4475-B1AB-4D193AD10900}"/>
-              </a:ext>
-            </a:extLst>
-          </p:cNvPr>
+          <p:cNvPr id="2" name="图片 1"/>
           <p:cNvPicPr>
             <a:picLocks noChangeAspect="1"/>
           </p:cNvPicPr>
           <p:nvPr/>
         </p:nvPicPr>
         <p:blipFill>
-          <a:blip r:embed="rId3"/>
+          <a:blip r:embed="rId1"/>
           <a:stretch>
             <a:fillRect/>
           </a:stretch>
@@ -6025,20 +5765,14 @@
       </p:pic>
       <p:pic>
         <p:nvPicPr>
-          <p:cNvPr id="4" name="图片 3">
-            <a:extLst>
-              <a:ext uri="{FF2B5EF4-FFF2-40B4-BE49-F238E27FC236}">
-                <a16:creationId xmlns:a16="http://schemas.microsoft.com/office/drawing/2014/main" id="{87E1417E-E3FE-4191-B941-E5B7165063D0}"/>
-              </a:ext>
-            </a:extLst>
-          </p:cNvPr>
+          <p:cNvPr id="4" name="图片 3"/>
           <p:cNvPicPr>
             <a:picLocks noChangeAspect="1"/>
           </p:cNvPicPr>
           <p:nvPr/>
         </p:nvPicPr>
         <p:blipFill>
-          <a:blip r:embed="rId4"/>
+          <a:blip r:embed="rId2"/>
           <a:stretch>
             <a:fillRect/>
           </a:stretch>
@@ -6055,13 +5789,7 @@
       </p:pic>
       <p:sp>
         <p:nvSpPr>
-          <p:cNvPr id="10" name="TextBox 6">
-            <a:extLst>
-              <a:ext uri="{FF2B5EF4-FFF2-40B4-BE49-F238E27FC236}">
-                <a16:creationId xmlns:a16="http://schemas.microsoft.com/office/drawing/2014/main" id="{6A89AC3A-EC80-4DAF-8BED-D91482AB6269}"/>
-              </a:ext>
-            </a:extLst>
-          </p:cNvPr>
+          <p:cNvPr id="10" name="TextBox 6"/>
           <p:cNvSpPr txBox="1"/>
           <p:nvPr/>
         </p:nvSpPr>
@@ -6086,8 +5814,8 @@
                 <a:solidFill>
                   <a:schemeClr val="bg1"/>
                 </a:solidFill>
-                <a:latin typeface="Microsoft YaHei" panose="020B0503020204020204" pitchFamily="34" charset="-122"/>
-                <a:ea typeface="Microsoft YaHei" panose="020B0503020204020204" pitchFamily="34" charset="-122"/>
+                <a:latin typeface="微软雅黑" panose="020B0503020204020204" pitchFamily="34" charset="-122"/>
+                <a:ea typeface="微软雅黑" panose="020B0503020204020204" pitchFamily="34" charset="-122"/>
               </a:rPr>
               <a:t>点击房源相册，可以进入图片浏览模式。</a:t>
             </a:r>
@@ -6095,8 +5823,8 @@
               <a:solidFill>
                 <a:schemeClr val="bg1"/>
               </a:solidFill>
-              <a:latin typeface="Microsoft YaHei" panose="020B0503020204020204" pitchFamily="34" charset="-122"/>
-              <a:ea typeface="Microsoft YaHei" panose="020B0503020204020204" pitchFamily="34" charset="-122"/>
+              <a:latin typeface="微软雅黑" panose="020B0503020204020204" pitchFamily="34" charset="-122"/>
+              <a:ea typeface="微软雅黑" panose="020B0503020204020204" pitchFamily="34" charset="-122"/>
             </a:endParaRPr>
           </a:p>
           <a:p>
@@ -6104,8 +5832,8 @@
               <a:solidFill>
                 <a:schemeClr val="bg1"/>
               </a:solidFill>
-              <a:latin typeface="Microsoft YaHei" panose="020B0503020204020204" pitchFamily="34" charset="-122"/>
-              <a:ea typeface="Microsoft YaHei" panose="020B0503020204020204" pitchFamily="34" charset="-122"/>
+              <a:latin typeface="微软雅黑" panose="020B0503020204020204" pitchFamily="34" charset="-122"/>
+              <a:ea typeface="微软雅黑" panose="020B0503020204020204" pitchFamily="34" charset="-122"/>
             </a:endParaRPr>
           </a:p>
           <a:p>
@@ -6114,8 +5842,8 @@
                 <a:solidFill>
                   <a:schemeClr val="bg1"/>
                 </a:solidFill>
-                <a:latin typeface="Microsoft YaHei" panose="020B0503020204020204" pitchFamily="34" charset="-122"/>
-                <a:ea typeface="Microsoft YaHei" panose="020B0503020204020204" pitchFamily="34" charset="-122"/>
+                <a:latin typeface="微软雅黑" panose="020B0503020204020204" pitchFamily="34" charset="-122"/>
+                <a:ea typeface="微软雅黑" panose="020B0503020204020204" pitchFamily="34" charset="-122"/>
               </a:rPr>
               <a:t>点击电话咨询，可以呼出拨号盘</a:t>
             </a:r>
@@ -6123,18 +5851,13 @@
               <a:solidFill>
                 <a:schemeClr val="bg1"/>
               </a:solidFill>
-              <a:latin typeface="Microsoft YaHei" panose="020B0503020204020204" pitchFamily="34" charset="-122"/>
-              <a:ea typeface="Microsoft YaHei" panose="020B0503020204020204" pitchFamily="34" charset="-122"/>
+              <a:latin typeface="微软雅黑" panose="020B0503020204020204" pitchFamily="34" charset="-122"/>
+              <a:ea typeface="微软雅黑" panose="020B0503020204020204" pitchFamily="34" charset="-122"/>
             </a:endParaRPr>
           </a:p>
         </p:txBody>
       </p:sp>
     </p:spTree>
-    <p:extLst>
-      <p:ext uri="{BB962C8B-B14F-4D97-AF65-F5344CB8AC3E}">
-        <p14:creationId xmlns:p14="http://schemas.microsoft.com/office/powerpoint/2010/main" val="2555711144"/>
-      </p:ext>
-    </p:extLst>
   </p:cSld>
   <p:clrMapOvr>
     <a:masterClrMapping/>
@@ -6185,7 +5908,7 @@
     </a:clrScheme>
     <a:fontScheme name="Office">
       <a:majorFont>
-        <a:latin typeface="Calibri Light" panose="020F0302020204030204"/>
+        <a:latin typeface="Calibri Light"/>
         <a:ea typeface=""/>
         <a:cs typeface=""/>
         <a:font script="Jpan" typeface="ＭＳ Ｐゴシック"/>
@@ -6220,7 +5943,7 @@
         <a:font script="Geor" typeface="Sylfaen"/>
       </a:majorFont>
       <a:minorFont>
-        <a:latin typeface="Calibri" panose="020F0502020204030204"/>
+        <a:latin typeface="Calibri"/>
         <a:ea typeface=""/>
         <a:cs typeface=""/>
         <a:font script="Jpan" typeface="ＭＳ Ｐゴシック"/>
@@ -6446,7 +6169,7 @@
     </a:clrScheme>
     <a:fontScheme name="Office">
       <a:majorFont>
-        <a:latin typeface="Calibri Light" panose="020F0302020204030204"/>
+        <a:latin typeface="Calibri Light"/>
         <a:ea typeface=""/>
         <a:cs typeface=""/>
         <a:font script="Jpan" typeface="ＭＳ Ｐゴシック"/>
@@ -6481,7 +6204,7 @@
         <a:font script="Geor" typeface="Sylfaen"/>
       </a:majorFont>
       <a:minorFont>
-        <a:latin typeface="Calibri" panose="020F0502020204030204"/>
+        <a:latin typeface="Calibri"/>
         <a:ea typeface=""/>
         <a:cs typeface=""/>
         <a:font script="Jpan" typeface="ＭＳ Ｐゴシック"/>
